--- a/sycode/emLiu.pptx
+++ b/sycode/emLiu.pptx
@@ -203,7 +203,7 @@
           <a:p>
             <a:fld id="{40BFB7F0-EBC1-48D5-9D65-4F699AB724A9}" type="datetimeFigureOut">
               <a:rPr lang="zh-CN" altLang="en-US" smtClean="0"/>
-              <a:t>2023/9/24</a:t>
+              <a:t>2023/10/4</a:t>
             </a:fld>
             <a:endParaRPr lang="zh-CN" altLang="en-US"/>
           </a:p>
@@ -617,7 +617,7 @@
           <a:p>
             <a:fld id="{7CB975A5-1082-4927-95DF-34EEBD0E3008}" type="datetimeFigureOut">
               <a:rPr lang="zh-CN" altLang="en-US" smtClean="0"/>
-              <a:t>2023/9/24</a:t>
+              <a:t>2023/10/4</a:t>
             </a:fld>
             <a:endParaRPr lang="zh-CN" altLang="en-US"/>
           </a:p>
@@ -815,7 +815,7 @@
           <a:p>
             <a:fld id="{7CB975A5-1082-4927-95DF-34EEBD0E3008}" type="datetimeFigureOut">
               <a:rPr lang="zh-CN" altLang="en-US" smtClean="0"/>
-              <a:t>2023/9/24</a:t>
+              <a:t>2023/10/4</a:t>
             </a:fld>
             <a:endParaRPr lang="zh-CN" altLang="en-US"/>
           </a:p>
@@ -1023,7 +1023,7 @@
           <a:p>
             <a:fld id="{7CB975A5-1082-4927-95DF-34EEBD0E3008}" type="datetimeFigureOut">
               <a:rPr lang="zh-CN" altLang="en-US" smtClean="0"/>
-              <a:t>2023/9/24</a:t>
+              <a:t>2023/10/4</a:t>
             </a:fld>
             <a:endParaRPr lang="zh-CN" altLang="en-US"/>
           </a:p>
@@ -1221,7 +1221,7 @@
           <a:p>
             <a:fld id="{7CB975A5-1082-4927-95DF-34EEBD0E3008}" type="datetimeFigureOut">
               <a:rPr lang="zh-CN" altLang="en-US" smtClean="0"/>
-              <a:t>2023/9/24</a:t>
+              <a:t>2023/10/4</a:t>
             </a:fld>
             <a:endParaRPr lang="zh-CN" altLang="en-US"/>
           </a:p>
@@ -1496,7 +1496,7 @@
           <a:p>
             <a:fld id="{7CB975A5-1082-4927-95DF-34EEBD0E3008}" type="datetimeFigureOut">
               <a:rPr lang="zh-CN" altLang="en-US" smtClean="0"/>
-              <a:t>2023/9/24</a:t>
+              <a:t>2023/10/4</a:t>
             </a:fld>
             <a:endParaRPr lang="zh-CN" altLang="en-US"/>
           </a:p>
@@ -1761,7 +1761,7 @@
           <a:p>
             <a:fld id="{7CB975A5-1082-4927-95DF-34EEBD0E3008}" type="datetimeFigureOut">
               <a:rPr lang="zh-CN" altLang="en-US" smtClean="0"/>
-              <a:t>2023/9/24</a:t>
+              <a:t>2023/10/4</a:t>
             </a:fld>
             <a:endParaRPr lang="zh-CN" altLang="en-US"/>
           </a:p>
@@ -2173,7 +2173,7 @@
           <a:p>
             <a:fld id="{7CB975A5-1082-4927-95DF-34EEBD0E3008}" type="datetimeFigureOut">
               <a:rPr lang="zh-CN" altLang="en-US" smtClean="0"/>
-              <a:t>2023/9/24</a:t>
+              <a:t>2023/10/4</a:t>
             </a:fld>
             <a:endParaRPr lang="zh-CN" altLang="en-US"/>
           </a:p>
@@ -2314,7 +2314,7 @@
           <a:p>
             <a:fld id="{7CB975A5-1082-4927-95DF-34EEBD0E3008}" type="datetimeFigureOut">
               <a:rPr lang="zh-CN" altLang="en-US" smtClean="0"/>
-              <a:t>2023/9/24</a:t>
+              <a:t>2023/10/4</a:t>
             </a:fld>
             <a:endParaRPr lang="zh-CN" altLang="en-US"/>
           </a:p>
@@ -2427,7 +2427,7 @@
           <a:p>
             <a:fld id="{7CB975A5-1082-4927-95DF-34EEBD0E3008}" type="datetimeFigureOut">
               <a:rPr lang="zh-CN" altLang="en-US" smtClean="0"/>
-              <a:t>2023/9/24</a:t>
+              <a:t>2023/10/4</a:t>
             </a:fld>
             <a:endParaRPr lang="zh-CN" altLang="en-US"/>
           </a:p>
@@ -2738,7 +2738,7 @@
           <a:p>
             <a:fld id="{7CB975A5-1082-4927-95DF-34EEBD0E3008}" type="datetimeFigureOut">
               <a:rPr lang="zh-CN" altLang="en-US" smtClean="0"/>
-              <a:t>2023/9/24</a:t>
+              <a:t>2023/10/4</a:t>
             </a:fld>
             <a:endParaRPr lang="zh-CN" altLang="en-US"/>
           </a:p>
@@ -3026,7 +3026,7 @@
           <a:p>
             <a:fld id="{7CB975A5-1082-4927-95DF-34EEBD0E3008}" type="datetimeFigureOut">
               <a:rPr lang="zh-CN" altLang="en-US" smtClean="0"/>
-              <a:t>2023/9/24</a:t>
+              <a:t>2023/10/4</a:t>
             </a:fld>
             <a:endParaRPr lang="zh-CN" altLang="en-US"/>
           </a:p>
@@ -3267,7 +3267,7 @@
           <a:p>
             <a:fld id="{7CB975A5-1082-4927-95DF-34EEBD0E3008}" type="datetimeFigureOut">
               <a:rPr lang="zh-CN" altLang="en-US" smtClean="0"/>
-              <a:t>2023/9/24</a:t>
+              <a:t>2023/10/4</a:t>
             </a:fld>
             <a:endParaRPr lang="zh-CN" altLang="en-US"/>
           </a:p>
@@ -3684,8 +3684,8 @@
           <a:chExt cx="0" cy="0"/>
         </a:xfrm>
       </p:grpSpPr>
-      <mc:AlternateContent xmlns:mc="http://schemas.openxmlformats.org/markup-compatibility/2006" xmlns:a14="http://schemas.microsoft.com/office/drawing/2010/main">
-        <mc:Choice Requires="a14">
+      <mc:AlternateContent xmlns:mc="http://schemas.openxmlformats.org/markup-compatibility/2006">
+        <mc:Choice xmlns:a14="http://schemas.microsoft.com/office/drawing/2010/main" Requires="a14">
           <p:sp>
             <p:nvSpPr>
               <p:cNvPr id="4" name="文本框 3">
@@ -5193,15 +5193,7 @@
                 </a:pPr>
                 <a:r>
                   <a:rPr lang="zh-CN" altLang="en-US" sz="2000" dirty="0"/>
-                  <a:t>对于</a:t>
-                </a:r>
-                <a:r>
-                  <a:rPr lang="en-US" altLang="zh-CN" sz="2000" dirty="0"/>
-                  <a:t>LS</a:t>
-                </a:r>
-                <a:r>
-                  <a:rPr lang="zh-CN" altLang="en-US" sz="2000" dirty="0"/>
-                  <a:t>加权原有的数据集</a:t>
+                  <a:t>对于加权原有的数据集</a:t>
                 </a:r>
                 <a:r>
                   <a:rPr lang="en-US" altLang="zh-CN" sz="2000" dirty="0"/>
@@ -5238,7 +5230,7 @@
             </p:txBody>
           </p:sp>
         </mc:Choice>
-        <mc:Fallback xmlns="">
+        <mc:Fallback>
           <p:sp>
             <p:nvSpPr>
               <p:cNvPr id="4" name="文本框 3">
@@ -5617,8 +5609,8 @@
           <a:chExt cx="0" cy="0"/>
         </a:xfrm>
       </p:grpSpPr>
-      <mc:AlternateContent xmlns:mc="http://schemas.openxmlformats.org/markup-compatibility/2006" xmlns:a14="http://schemas.microsoft.com/office/drawing/2010/main">
-        <mc:Choice Requires="a14">
+      <mc:AlternateContent xmlns:mc="http://schemas.openxmlformats.org/markup-compatibility/2006">
+        <mc:Choice xmlns:a14="http://schemas.microsoft.com/office/drawing/2010/main" Requires="a14">
           <p:sp>
             <p:nvSpPr>
               <p:cNvPr id="2" name="文本框 1">
@@ -5750,7 +5742,7 @@
                 </a:pPr>
                 <a:r>
                   <a:rPr lang="zh-CN" altLang="en-US" sz="2000" b="1" dirty="0"/>
-                  <a:t>噪声比例：</a:t>
+                  <a:t>噪声：</a:t>
                 </a:r>
                 <a14:m>
                   <m:oMath xmlns:m="http://schemas.openxmlformats.org/officeDocument/2006/math">
@@ -5911,7 +5903,7 @@
             </p:txBody>
           </p:sp>
         </mc:Choice>
-        <mc:Fallback xmlns="">
+        <mc:Fallback>
           <p:sp>
             <p:nvSpPr>
               <p:cNvPr id="2" name="文本框 1">

--- a/sycode/emLiu.pptx
+++ b/sycode/emLiu.pptx
@@ -5,7 +5,7 @@
     <p:sldMasterId id="2147483648" r:id="rId1"/>
   </p:sldMasterIdLst>
   <p:notesMasterIdLst>
-    <p:notesMasterId r:id="rId9"/>
+    <p:notesMasterId r:id="rId11"/>
   </p:notesMasterIdLst>
   <p:sldIdLst>
     <p:sldId id="275" r:id="rId2"/>
@@ -13,8 +13,10 @@
     <p:sldId id="273" r:id="rId4"/>
     <p:sldId id="281" r:id="rId5"/>
     <p:sldId id="282" r:id="rId6"/>
-    <p:sldId id="283" r:id="rId7"/>
-    <p:sldId id="284" r:id="rId8"/>
+    <p:sldId id="259" r:id="rId7"/>
+    <p:sldId id="263" r:id="rId8"/>
+    <p:sldId id="264" r:id="rId9"/>
+    <p:sldId id="260" r:id="rId10"/>
   </p:sldIdLst>
   <p:sldSz cx="12192000" cy="6858000"/>
   <p:notesSz cx="6858000" cy="9144000"/>
@@ -203,7 +205,7 @@
           <a:p>
             <a:fld id="{40BFB7F0-EBC1-48D5-9D65-4F699AB724A9}" type="datetimeFigureOut">
               <a:rPr lang="zh-CN" altLang="en-US" smtClean="0"/>
-              <a:t>2023/10/4</a:t>
+              <a:t>2023/10/20</a:t>
             </a:fld>
             <a:endParaRPr lang="zh-CN" altLang="en-US"/>
           </a:p>
@@ -617,7 +619,7 @@
           <a:p>
             <a:fld id="{7CB975A5-1082-4927-95DF-34EEBD0E3008}" type="datetimeFigureOut">
               <a:rPr lang="zh-CN" altLang="en-US" smtClean="0"/>
-              <a:t>2023/10/4</a:t>
+              <a:t>2023/10/20</a:t>
             </a:fld>
             <a:endParaRPr lang="zh-CN" altLang="en-US"/>
           </a:p>
@@ -815,7 +817,7 @@
           <a:p>
             <a:fld id="{7CB975A5-1082-4927-95DF-34EEBD0E3008}" type="datetimeFigureOut">
               <a:rPr lang="zh-CN" altLang="en-US" smtClean="0"/>
-              <a:t>2023/10/4</a:t>
+              <a:t>2023/10/20</a:t>
             </a:fld>
             <a:endParaRPr lang="zh-CN" altLang="en-US"/>
           </a:p>
@@ -1023,7 +1025,7 @@
           <a:p>
             <a:fld id="{7CB975A5-1082-4927-95DF-34EEBD0E3008}" type="datetimeFigureOut">
               <a:rPr lang="zh-CN" altLang="en-US" smtClean="0"/>
-              <a:t>2023/10/4</a:t>
+              <a:t>2023/10/20</a:t>
             </a:fld>
             <a:endParaRPr lang="zh-CN" altLang="en-US"/>
           </a:p>
@@ -1221,7 +1223,7 @@
           <a:p>
             <a:fld id="{7CB975A5-1082-4927-95DF-34EEBD0E3008}" type="datetimeFigureOut">
               <a:rPr lang="zh-CN" altLang="en-US" smtClean="0"/>
-              <a:t>2023/10/4</a:t>
+              <a:t>2023/10/20</a:t>
             </a:fld>
             <a:endParaRPr lang="zh-CN" altLang="en-US"/>
           </a:p>
@@ -1496,7 +1498,7 @@
           <a:p>
             <a:fld id="{7CB975A5-1082-4927-95DF-34EEBD0E3008}" type="datetimeFigureOut">
               <a:rPr lang="zh-CN" altLang="en-US" smtClean="0"/>
-              <a:t>2023/10/4</a:t>
+              <a:t>2023/10/20</a:t>
             </a:fld>
             <a:endParaRPr lang="zh-CN" altLang="en-US"/>
           </a:p>
@@ -1761,7 +1763,7 @@
           <a:p>
             <a:fld id="{7CB975A5-1082-4927-95DF-34EEBD0E3008}" type="datetimeFigureOut">
               <a:rPr lang="zh-CN" altLang="en-US" smtClean="0"/>
-              <a:t>2023/10/4</a:t>
+              <a:t>2023/10/20</a:t>
             </a:fld>
             <a:endParaRPr lang="zh-CN" altLang="en-US"/>
           </a:p>
@@ -2173,7 +2175,7 @@
           <a:p>
             <a:fld id="{7CB975A5-1082-4927-95DF-34EEBD0E3008}" type="datetimeFigureOut">
               <a:rPr lang="zh-CN" altLang="en-US" smtClean="0"/>
-              <a:t>2023/10/4</a:t>
+              <a:t>2023/10/20</a:t>
             </a:fld>
             <a:endParaRPr lang="zh-CN" altLang="en-US"/>
           </a:p>
@@ -2314,7 +2316,7 @@
           <a:p>
             <a:fld id="{7CB975A5-1082-4927-95DF-34EEBD0E3008}" type="datetimeFigureOut">
               <a:rPr lang="zh-CN" altLang="en-US" smtClean="0"/>
-              <a:t>2023/10/4</a:t>
+              <a:t>2023/10/20</a:t>
             </a:fld>
             <a:endParaRPr lang="zh-CN" altLang="en-US"/>
           </a:p>
@@ -2427,7 +2429,7 @@
           <a:p>
             <a:fld id="{7CB975A5-1082-4927-95DF-34EEBD0E3008}" type="datetimeFigureOut">
               <a:rPr lang="zh-CN" altLang="en-US" smtClean="0"/>
-              <a:t>2023/10/4</a:t>
+              <a:t>2023/10/20</a:t>
             </a:fld>
             <a:endParaRPr lang="zh-CN" altLang="en-US"/>
           </a:p>
@@ -2738,7 +2740,7 @@
           <a:p>
             <a:fld id="{7CB975A5-1082-4927-95DF-34EEBD0E3008}" type="datetimeFigureOut">
               <a:rPr lang="zh-CN" altLang="en-US" smtClean="0"/>
-              <a:t>2023/10/4</a:t>
+              <a:t>2023/10/20</a:t>
             </a:fld>
             <a:endParaRPr lang="zh-CN" altLang="en-US"/>
           </a:p>
@@ -3026,7 +3028,7 @@
           <a:p>
             <a:fld id="{7CB975A5-1082-4927-95DF-34EEBD0E3008}" type="datetimeFigureOut">
               <a:rPr lang="zh-CN" altLang="en-US" smtClean="0"/>
-              <a:t>2023/10/4</a:t>
+              <a:t>2023/10/20</a:t>
             </a:fld>
             <a:endParaRPr lang="zh-CN" altLang="en-US"/>
           </a:p>
@@ -3267,7 +3269,7 @@
           <a:p>
             <a:fld id="{7CB975A5-1082-4927-95DF-34EEBD0E3008}" type="datetimeFigureOut">
               <a:rPr lang="zh-CN" altLang="en-US" smtClean="0"/>
-              <a:t>2023/10/4</a:t>
+              <a:t>2023/10/20</a:t>
             </a:fld>
             <a:endParaRPr lang="zh-CN" altLang="en-US"/>
           </a:p>
@@ -3684,8 +3686,8 @@
           <a:chExt cx="0" cy="0"/>
         </a:xfrm>
       </p:grpSpPr>
-      <mc:AlternateContent xmlns:mc="http://schemas.openxmlformats.org/markup-compatibility/2006">
-        <mc:Choice xmlns:a14="http://schemas.microsoft.com/office/drawing/2010/main" Requires="a14">
+      <mc:AlternateContent xmlns:mc="http://schemas.openxmlformats.org/markup-compatibility/2006" xmlns:a14="http://schemas.microsoft.com/office/drawing/2010/main">
+        <mc:Choice Requires="a14">
           <p:sp>
             <p:nvSpPr>
               <p:cNvPr id="4" name="文本框 3">
@@ -5230,7 +5232,7 @@
             </p:txBody>
           </p:sp>
         </mc:Choice>
-        <mc:Fallback>
+        <mc:Fallback xmlns="">
           <p:sp>
             <p:nvSpPr>
               <p:cNvPr id="4" name="文本框 3">
@@ -5609,8 +5611,8 @@
           <a:chExt cx="0" cy="0"/>
         </a:xfrm>
       </p:grpSpPr>
-      <mc:AlternateContent xmlns:mc="http://schemas.openxmlformats.org/markup-compatibility/2006">
-        <mc:Choice xmlns:a14="http://schemas.microsoft.com/office/drawing/2010/main" Requires="a14">
+      <mc:AlternateContent xmlns:mc="http://schemas.openxmlformats.org/markup-compatibility/2006" xmlns:a14="http://schemas.microsoft.com/office/drawing/2010/main">
+        <mc:Choice Requires="a14">
           <p:sp>
             <p:nvSpPr>
               <p:cNvPr id="2" name="文本框 1">
@@ -5903,7 +5905,7 @@
             </p:txBody>
           </p:sp>
         </mc:Choice>
-        <mc:Fallback>
+        <mc:Fallback xmlns="">
           <p:sp>
             <p:nvSpPr>
               <p:cNvPr id="2" name="文本框 1">
@@ -6658,10 +6660,10 @@
       </p:grpSpPr>
       <p:sp>
         <p:nvSpPr>
-          <p:cNvPr id="3" name="文本框 2">
+          <p:cNvPr id="4" name="文本框 3">
             <a:extLst>
               <a:ext uri="{FF2B5EF4-FFF2-40B4-BE49-F238E27FC236}">
-                <a16:creationId xmlns:a16="http://schemas.microsoft.com/office/drawing/2014/main" id="{0FDDF332-6799-4319-9D36-BAE26EE58337}"/>
+                <a16:creationId xmlns:a16="http://schemas.microsoft.com/office/drawing/2014/main" id="{E78BBAAE-A5CB-A77A-77A5-769A1B7BDF33}"/>
               </a:ext>
             </a:extLst>
           </p:cNvPr>
@@ -6670,8 +6672,8 @@
         </p:nvSpPr>
         <p:spPr>
           <a:xfrm>
-            <a:off x="1084748" y="827257"/>
-            <a:ext cx="3985272" cy="369332"/>
+            <a:off x="132272" y="109600"/>
+            <a:ext cx="10633494" cy="1200329"/>
           </a:xfrm>
           <a:prstGeom prst="rect">
             <a:avLst/>
@@ -6679,24 +6681,273 @@
           <a:noFill/>
         </p:spPr>
         <p:txBody>
-          <a:bodyPr wrap="square" rtlCol="0">
+          <a:bodyPr wrap="square">
             <a:spAutoFit/>
           </a:bodyPr>
           <a:lstStyle/>
           <a:p>
             <a:r>
-              <a:rPr lang="en-US" altLang="zh-CN" b="1" dirty="0"/>
-              <a:t>TLS</a:t>
+              <a:rPr lang="en-US" altLang="zh-CN" sz="1800" dirty="0">
+                <a:solidFill>
+                  <a:srgbClr val="080808"/>
+                </a:solidFill>
+                <a:effectLst/>
+                <a:latin typeface="JetBrains Mono"/>
+              </a:rPr>
+              <a:t>n = </a:t>
+            </a:r>
+            <a:r>
+              <a:rPr lang="en-US" altLang="zh-CN" sz="1800" dirty="0">
+                <a:solidFill>
+                  <a:srgbClr val="1750EB"/>
+                </a:solidFill>
+                <a:effectLst/>
+                <a:latin typeface="JetBrains Mono"/>
+              </a:rPr>
+              <a:t>20    </a:t>
+            </a:r>
+            <a:r>
+              <a:rPr lang="en-US" altLang="zh-CN" sz="1800" i="1" dirty="0">
+                <a:solidFill>
+                  <a:srgbClr val="8C8C8C"/>
+                </a:solidFill>
+                <a:effectLst/>
+                <a:latin typeface="JetBrains Mono"/>
+              </a:rPr>
+              <a:t># </a:t>
+            </a:r>
+            <a:r>
+              <a:rPr lang="zh-CN" altLang="en-US" sz="1800" i="1" dirty="0">
+                <a:solidFill>
+                  <a:srgbClr val="8C8C8C"/>
+                </a:solidFill>
+                <a:effectLst/>
+                <a:latin typeface="宋体" panose="02010600030101010101" pitchFamily="2" charset="-122"/>
+                <a:ea typeface="宋体" panose="02010600030101010101" pitchFamily="2" charset="-122"/>
+              </a:rPr>
+              <a:t>最大噪声水平</a:t>
+            </a:r>
+            <a:br>
+              <a:rPr lang="en-US" altLang="zh-CN" sz="1800" i="1" dirty="0">
+                <a:solidFill>
+                  <a:srgbClr val="8C8C8C"/>
+                </a:solidFill>
+                <a:effectLst/>
+                <a:latin typeface="JetBrains Mono"/>
+              </a:rPr>
+            </a:br>
+            <a:r>
+              <a:rPr lang="en-US" altLang="zh-CN" sz="1800" dirty="0">
+                <a:solidFill>
+                  <a:srgbClr val="080808"/>
+                </a:solidFill>
+                <a:effectLst/>
+                <a:latin typeface="JetBrains Mono"/>
+              </a:rPr>
+              <a:t>s = </a:t>
+            </a:r>
+            <a:r>
+              <a:rPr lang="en-US" altLang="zh-CN" sz="1800" dirty="0">
+                <a:solidFill>
+                  <a:srgbClr val="1750EB"/>
+                </a:solidFill>
+                <a:effectLst/>
+                <a:latin typeface="JetBrains Mono"/>
+              </a:rPr>
+              <a:t>50   </a:t>
+            </a:r>
+            <a:r>
+              <a:rPr lang="en-US" altLang="zh-CN" sz="1800" i="1" dirty="0">
+                <a:solidFill>
+                  <a:srgbClr val="8C8C8C"/>
+                </a:solidFill>
+                <a:effectLst/>
+                <a:latin typeface="JetBrains Mono"/>
+              </a:rPr>
+              <a:t># </a:t>
+            </a:r>
+            <a:r>
+              <a:rPr lang="zh-CN" altLang="en-US" sz="1800" i="1" dirty="0">
+                <a:solidFill>
+                  <a:srgbClr val="8C8C8C"/>
+                </a:solidFill>
+                <a:effectLst/>
+                <a:latin typeface="宋体" panose="02010600030101010101" pitchFamily="2" charset="-122"/>
+                <a:ea typeface="宋体" panose="02010600030101010101" pitchFamily="2" charset="-122"/>
+              </a:rPr>
+              <a:t>分割数据的次数（对数据进行随机排序的次数）</a:t>
+            </a:r>
+            <a:br>
+              <a:rPr lang="zh-CN" altLang="en-US" sz="1800" i="1" dirty="0">
+                <a:solidFill>
+                  <a:srgbClr val="8C8C8C"/>
+                </a:solidFill>
+                <a:effectLst/>
+                <a:latin typeface="宋体" panose="02010600030101010101" pitchFamily="2" charset="-122"/>
+                <a:ea typeface="宋体" panose="02010600030101010101" pitchFamily="2" charset="-122"/>
+              </a:rPr>
+            </a:br>
+            <a:r>
+              <a:rPr lang="en-US" altLang="zh-CN" sz="1800" dirty="0">
+                <a:solidFill>
+                  <a:srgbClr val="080808"/>
+                </a:solidFill>
+                <a:effectLst/>
+                <a:latin typeface="JetBrains Mono"/>
+              </a:rPr>
+              <a:t>m = </a:t>
+            </a:r>
+            <a:r>
+              <a:rPr lang="en-US" altLang="zh-CN" sz="1800" dirty="0">
+                <a:solidFill>
+                  <a:srgbClr val="1750EB"/>
+                </a:solidFill>
+                <a:effectLst/>
+                <a:latin typeface="JetBrains Mono"/>
+              </a:rPr>
+              <a:t>20    </a:t>
+            </a:r>
+            <a:r>
+              <a:rPr lang="en-US" altLang="zh-CN" sz="1800" i="1" dirty="0">
+                <a:solidFill>
+                  <a:srgbClr val="8C8C8C"/>
+                </a:solidFill>
+                <a:effectLst/>
+                <a:latin typeface="JetBrains Mono"/>
+              </a:rPr>
+              <a:t># </a:t>
+            </a:r>
+            <a:r>
+              <a:rPr lang="zh-CN" altLang="en-US" sz="1800" i="1" dirty="0">
+                <a:solidFill>
+                  <a:srgbClr val="8C8C8C"/>
+                </a:solidFill>
+                <a:effectLst/>
+                <a:latin typeface="宋体" panose="02010600030101010101" pitchFamily="2" charset="-122"/>
+                <a:ea typeface="宋体" panose="02010600030101010101" pitchFamily="2" charset="-122"/>
+              </a:rPr>
+              <a:t>对于每次分割得到的训练集，生成</a:t>
+            </a:r>
+            <a:r>
+              <a:rPr lang="en-US" altLang="zh-CN" sz="1800" i="1" dirty="0">
+                <a:solidFill>
+                  <a:srgbClr val="8C8C8C"/>
+                </a:solidFill>
+                <a:effectLst/>
+                <a:latin typeface="JetBrains Mono"/>
+              </a:rPr>
+              <a:t>m</a:t>
+            </a:r>
+            <a:r>
+              <a:rPr lang="zh-CN" altLang="en-US" sz="1800" i="1" dirty="0">
+                <a:solidFill>
+                  <a:srgbClr val="8C8C8C"/>
+                </a:solidFill>
+                <a:effectLst/>
+                <a:latin typeface="宋体" panose="02010600030101010101" pitchFamily="2" charset="-122"/>
+                <a:ea typeface="宋体" panose="02010600030101010101" pitchFamily="2" charset="-122"/>
+              </a:rPr>
+              <a:t>次噪声</a:t>
+            </a:r>
+            <a:br>
+              <a:rPr lang="zh-CN" altLang="en-US" sz="1800" i="1" dirty="0">
+                <a:solidFill>
+                  <a:srgbClr val="8C8C8C"/>
+                </a:solidFill>
+                <a:effectLst/>
+                <a:latin typeface="宋体" panose="02010600030101010101" pitchFamily="2" charset="-122"/>
+                <a:ea typeface="宋体" panose="02010600030101010101" pitchFamily="2" charset="-122"/>
+              </a:rPr>
+            </a:br>
+            <a:r>
+              <a:rPr lang="en-US" altLang="zh-CN" dirty="0">
+                <a:solidFill>
+                  <a:srgbClr val="080808"/>
+                </a:solidFill>
+                <a:latin typeface="JetBrains Mono"/>
+                <a:ea typeface="宋体" panose="02010600030101010101" pitchFamily="2" charset="-122"/>
+              </a:rPr>
+              <a:t>pattern</a:t>
+            </a:r>
+            <a:r>
+              <a:rPr lang="en-US" altLang="zh-CN" sz="1800" dirty="0">
+                <a:solidFill>
+                  <a:srgbClr val="080808"/>
+                </a:solidFill>
+                <a:effectLst/>
+                <a:latin typeface="JetBrains Mono"/>
+              </a:rPr>
+              <a:t>= [</a:t>
+            </a:r>
+            <a:r>
+              <a:rPr lang="en-US" altLang="zh-CN" sz="1800" dirty="0">
+                <a:solidFill>
+                  <a:srgbClr val="1750EB"/>
+                </a:solidFill>
+                <a:effectLst/>
+                <a:latin typeface="JetBrains Mono"/>
+              </a:rPr>
+              <a:t>1</a:t>
+            </a:r>
+            <a:r>
+              <a:rPr lang="en-US" altLang="zh-CN" sz="1800" dirty="0">
+                <a:solidFill>
+                  <a:srgbClr val="080808"/>
+                </a:solidFill>
+                <a:effectLst/>
+                <a:latin typeface="JetBrains Mono"/>
+              </a:rPr>
+              <a:t>, </a:t>
+            </a:r>
+            <a:r>
+              <a:rPr lang="en-US" altLang="zh-CN" sz="1800" dirty="0">
+                <a:solidFill>
+                  <a:srgbClr val="1750EB"/>
+                </a:solidFill>
+                <a:effectLst/>
+                <a:latin typeface="JetBrains Mono"/>
+              </a:rPr>
+              <a:t>0.1</a:t>
+            </a:r>
+            <a:r>
+              <a:rPr lang="en-US" altLang="zh-CN" sz="1800" dirty="0">
+                <a:solidFill>
+                  <a:srgbClr val="080808"/>
+                </a:solidFill>
+                <a:effectLst/>
+                <a:latin typeface="JetBrains Mono"/>
+              </a:rPr>
+              <a:t>, </a:t>
+            </a:r>
+            <a:r>
+              <a:rPr lang="en-US" altLang="zh-CN" sz="1800" dirty="0">
+                <a:solidFill>
+                  <a:srgbClr val="1750EB"/>
+                </a:solidFill>
+                <a:effectLst/>
+                <a:latin typeface="JetBrains Mono"/>
+              </a:rPr>
+              <a:t>0.02</a:t>
+            </a:r>
+            <a:r>
+              <a:rPr lang="en-US" altLang="zh-CN" sz="1800" dirty="0">
+                <a:solidFill>
+                  <a:srgbClr val="080808"/>
+                </a:solidFill>
+                <a:effectLst/>
+                <a:latin typeface="JetBrains Mono"/>
+              </a:rPr>
+              <a:t>]</a:t>
             </a:r>
           </a:p>
         </p:txBody>
       </p:sp>
       <p:pic>
         <p:nvPicPr>
-          <p:cNvPr id="4" name="图片 3">
+          <p:cNvPr id="12" name="图片 11">
             <a:extLst>
               <a:ext uri="{FF2B5EF4-FFF2-40B4-BE49-F238E27FC236}">
-                <a16:creationId xmlns:a16="http://schemas.microsoft.com/office/drawing/2014/main" id="{7ED4AD3E-3F16-9022-687F-9B901917B2F0}"/>
+                <a16:creationId xmlns:a16="http://schemas.microsoft.com/office/drawing/2014/main" id="{6AFCDE97-B4FA-7AF6-BBF9-0DF3D5CA485A}"/>
               </a:ext>
             </a:extLst>
           </p:cNvPr>
@@ -6719,8 +6970,44 @@
         </p:blipFill>
         <p:spPr>
           <a:xfrm>
-            <a:off x="3169914" y="1234435"/>
-            <a:ext cx="5852172" cy="4389129"/>
+            <a:off x="6281816" y="1610686"/>
+            <a:ext cx="5434814" cy="3882010"/>
+          </a:xfrm>
+          <a:prstGeom prst="rect">
+            <a:avLst/>
+          </a:prstGeom>
+        </p:spPr>
+      </p:pic>
+      <p:pic>
+        <p:nvPicPr>
+          <p:cNvPr id="14" name="图片 13">
+            <a:extLst>
+              <a:ext uri="{FF2B5EF4-FFF2-40B4-BE49-F238E27FC236}">
+                <a16:creationId xmlns:a16="http://schemas.microsoft.com/office/drawing/2014/main" id="{36D62F08-CE15-24AA-DF5E-17399874A561}"/>
+              </a:ext>
+            </a:extLst>
+          </p:cNvPr>
+          <p:cNvPicPr>
+            <a:picLocks noChangeAspect="1"/>
+          </p:cNvPicPr>
+          <p:nvPr/>
+        </p:nvPicPr>
+        <p:blipFill>
+          <a:blip r:embed="rId3">
+            <a:extLst>
+              <a:ext uri="{28A0092B-C50C-407E-A947-70E740481C1C}">
+                <a14:useLocalDpi xmlns:a14="http://schemas.microsoft.com/office/drawing/2010/main" val="0"/>
+              </a:ext>
+            </a:extLst>
+          </a:blip>
+          <a:stretch>
+            <a:fillRect/>
+          </a:stretch>
+        </p:blipFill>
+        <p:spPr>
+          <a:xfrm>
+            <a:off x="216576" y="1610687"/>
+            <a:ext cx="5434813" cy="3882009"/>
           </a:xfrm>
           <a:prstGeom prst="rect">
             <a:avLst/>
@@ -6730,7 +7017,7 @@
     </p:spTree>
     <p:extLst>
       <p:ext uri="{BB962C8B-B14F-4D97-AF65-F5344CB8AC3E}">
-        <p14:creationId xmlns:p14="http://schemas.microsoft.com/office/powerpoint/2010/main" val="738518437"/>
+        <p14:creationId xmlns:p14="http://schemas.microsoft.com/office/powerpoint/2010/main" val="1881181459"/>
       </p:ext>
     </p:extLst>
   </p:cSld>
@@ -6759,10 +7046,10 @@
       </p:grpSpPr>
       <p:sp>
         <p:nvSpPr>
-          <p:cNvPr id="3" name="文本框 2">
+          <p:cNvPr id="4" name="文本框 3">
             <a:extLst>
               <a:ext uri="{FF2B5EF4-FFF2-40B4-BE49-F238E27FC236}">
-                <a16:creationId xmlns:a16="http://schemas.microsoft.com/office/drawing/2014/main" id="{0FDDF332-6799-4319-9D36-BAE26EE58337}"/>
+                <a16:creationId xmlns:a16="http://schemas.microsoft.com/office/drawing/2014/main" id="{E78BBAAE-A5CB-A77A-77A5-769A1B7BDF33}"/>
               </a:ext>
             </a:extLst>
           </p:cNvPr>
@@ -6771,8 +7058,8 @@
         </p:nvSpPr>
         <p:spPr>
           <a:xfrm>
-            <a:off x="1084748" y="827257"/>
-            <a:ext cx="3985272" cy="369332"/>
+            <a:off x="132272" y="109600"/>
+            <a:ext cx="10633494" cy="1200329"/>
           </a:xfrm>
           <a:prstGeom prst="rect">
             <a:avLst/>
@@ -6780,24 +7067,263 @@
           <a:noFill/>
         </p:spPr>
         <p:txBody>
-          <a:bodyPr wrap="square" rtlCol="0">
+          <a:bodyPr wrap="square">
             <a:spAutoFit/>
           </a:bodyPr>
           <a:lstStyle/>
           <a:p>
             <a:r>
-              <a:rPr lang="en-US" altLang="zh-CN" b="1" dirty="0"/>
-              <a:t>LS</a:t>
+              <a:rPr lang="en-US" altLang="zh-CN" sz="1800" dirty="0">
+                <a:solidFill>
+                  <a:srgbClr val="080808"/>
+                </a:solidFill>
+                <a:effectLst/>
+                <a:latin typeface="JetBrains Mono"/>
+              </a:rPr>
+              <a:t>n = </a:t>
+            </a:r>
+            <a:r>
+              <a:rPr lang="en-US" altLang="zh-CN" sz="1800" dirty="0">
+                <a:solidFill>
+                  <a:srgbClr val="1750EB"/>
+                </a:solidFill>
+                <a:effectLst/>
+                <a:latin typeface="JetBrains Mono"/>
+              </a:rPr>
+              <a:t>20    </a:t>
+            </a:r>
+            <a:r>
+              <a:rPr lang="en-US" altLang="zh-CN" sz="1800" i="1" dirty="0">
+                <a:solidFill>
+                  <a:srgbClr val="8C8C8C"/>
+                </a:solidFill>
+                <a:effectLst/>
+                <a:latin typeface="JetBrains Mono"/>
+              </a:rPr>
+              <a:t># </a:t>
+            </a:r>
+            <a:r>
+              <a:rPr lang="zh-CN" altLang="en-US" sz="1800" i="1" dirty="0">
+                <a:solidFill>
+                  <a:srgbClr val="8C8C8C"/>
+                </a:solidFill>
+                <a:effectLst/>
+                <a:latin typeface="宋体" panose="02010600030101010101" pitchFamily="2" charset="-122"/>
+                <a:ea typeface="宋体" panose="02010600030101010101" pitchFamily="2" charset="-122"/>
+              </a:rPr>
+              <a:t>最大噪声水平</a:t>
+            </a:r>
+            <a:br>
+              <a:rPr lang="en-US" altLang="zh-CN" sz="1800" i="1" dirty="0">
+                <a:solidFill>
+                  <a:srgbClr val="8C8C8C"/>
+                </a:solidFill>
+                <a:effectLst/>
+                <a:latin typeface="JetBrains Mono"/>
+              </a:rPr>
+            </a:br>
+            <a:r>
+              <a:rPr lang="en-US" altLang="zh-CN" sz="1800" dirty="0">
+                <a:solidFill>
+                  <a:srgbClr val="080808"/>
+                </a:solidFill>
+                <a:effectLst/>
+                <a:latin typeface="JetBrains Mono"/>
+              </a:rPr>
+              <a:t>s = </a:t>
+            </a:r>
+            <a:r>
+              <a:rPr lang="en-US" altLang="zh-CN" sz="1800" dirty="0">
+                <a:solidFill>
+                  <a:srgbClr val="1750EB"/>
+                </a:solidFill>
+                <a:effectLst/>
+                <a:latin typeface="JetBrains Mono"/>
+              </a:rPr>
+              <a:t>50   </a:t>
+            </a:r>
+            <a:r>
+              <a:rPr lang="en-US" altLang="zh-CN" sz="1800" i="1" dirty="0">
+                <a:solidFill>
+                  <a:srgbClr val="8C8C8C"/>
+                </a:solidFill>
+                <a:effectLst/>
+                <a:latin typeface="JetBrains Mono"/>
+              </a:rPr>
+              <a:t># </a:t>
+            </a:r>
+            <a:r>
+              <a:rPr lang="zh-CN" altLang="en-US" sz="1800" i="1" dirty="0">
+                <a:solidFill>
+                  <a:srgbClr val="8C8C8C"/>
+                </a:solidFill>
+                <a:effectLst/>
+                <a:latin typeface="宋体" panose="02010600030101010101" pitchFamily="2" charset="-122"/>
+                <a:ea typeface="宋体" panose="02010600030101010101" pitchFamily="2" charset="-122"/>
+              </a:rPr>
+              <a:t>分割数据的次数（对数据进行随机排序的次数）</a:t>
+            </a:r>
+            <a:br>
+              <a:rPr lang="zh-CN" altLang="en-US" sz="1800" i="1" dirty="0">
+                <a:solidFill>
+                  <a:srgbClr val="8C8C8C"/>
+                </a:solidFill>
+                <a:effectLst/>
+                <a:latin typeface="宋体" panose="02010600030101010101" pitchFamily="2" charset="-122"/>
+                <a:ea typeface="宋体" panose="02010600030101010101" pitchFamily="2" charset="-122"/>
+              </a:rPr>
+            </a:br>
+            <a:r>
+              <a:rPr lang="en-US" altLang="zh-CN" sz="1800" dirty="0">
+                <a:solidFill>
+                  <a:srgbClr val="080808"/>
+                </a:solidFill>
+                <a:effectLst/>
+                <a:latin typeface="JetBrains Mono"/>
+              </a:rPr>
+              <a:t>m = </a:t>
+            </a:r>
+            <a:r>
+              <a:rPr lang="en-US" altLang="zh-CN" sz="1800" dirty="0">
+                <a:solidFill>
+                  <a:srgbClr val="1750EB"/>
+                </a:solidFill>
+                <a:effectLst/>
+                <a:latin typeface="JetBrains Mono"/>
+              </a:rPr>
+              <a:t>20    </a:t>
+            </a:r>
+            <a:r>
+              <a:rPr lang="en-US" altLang="zh-CN" sz="1800" i="1" dirty="0">
+                <a:solidFill>
+                  <a:srgbClr val="8C8C8C"/>
+                </a:solidFill>
+                <a:effectLst/>
+                <a:latin typeface="JetBrains Mono"/>
+              </a:rPr>
+              <a:t># </a:t>
+            </a:r>
+            <a:r>
+              <a:rPr lang="zh-CN" altLang="en-US" sz="1800" i="1" dirty="0">
+                <a:solidFill>
+                  <a:srgbClr val="8C8C8C"/>
+                </a:solidFill>
+                <a:effectLst/>
+                <a:latin typeface="宋体" panose="02010600030101010101" pitchFamily="2" charset="-122"/>
+                <a:ea typeface="宋体" panose="02010600030101010101" pitchFamily="2" charset="-122"/>
+              </a:rPr>
+              <a:t>对于每次分割得到的训练集，生成</a:t>
+            </a:r>
+            <a:r>
+              <a:rPr lang="en-US" altLang="zh-CN" sz="1800" i="1" dirty="0">
+                <a:solidFill>
+                  <a:srgbClr val="8C8C8C"/>
+                </a:solidFill>
+                <a:effectLst/>
+                <a:latin typeface="JetBrains Mono"/>
+              </a:rPr>
+              <a:t>m</a:t>
+            </a:r>
+            <a:r>
+              <a:rPr lang="zh-CN" altLang="en-US" sz="1800" i="1" dirty="0">
+                <a:solidFill>
+                  <a:srgbClr val="8C8C8C"/>
+                </a:solidFill>
+                <a:effectLst/>
+                <a:latin typeface="宋体" panose="02010600030101010101" pitchFamily="2" charset="-122"/>
+                <a:ea typeface="宋体" panose="02010600030101010101" pitchFamily="2" charset="-122"/>
+              </a:rPr>
+              <a:t>次噪声</a:t>
+            </a:r>
+            <a:br>
+              <a:rPr lang="zh-CN" altLang="en-US" sz="1800" i="1" dirty="0">
+                <a:solidFill>
+                  <a:srgbClr val="8C8C8C"/>
+                </a:solidFill>
+                <a:effectLst/>
+                <a:latin typeface="宋体" panose="02010600030101010101" pitchFamily="2" charset="-122"/>
+                <a:ea typeface="宋体" panose="02010600030101010101" pitchFamily="2" charset="-122"/>
+              </a:rPr>
+            </a:br>
+            <a:r>
+              <a:rPr lang="en-US" altLang="zh-CN" sz="1800" dirty="0">
+                <a:solidFill>
+                  <a:srgbClr val="080808"/>
+                </a:solidFill>
+                <a:effectLst/>
+                <a:latin typeface="JetBrains Mono"/>
+              </a:rPr>
+              <a:t>times= [</a:t>
+            </a:r>
+            <a:r>
+              <a:rPr lang="en-US" altLang="zh-CN" sz="1800" dirty="0">
+                <a:solidFill>
+                  <a:srgbClr val="1750EB"/>
+                </a:solidFill>
+                <a:effectLst/>
+                <a:latin typeface="JetBrains Mono"/>
+              </a:rPr>
+              <a:t>0.98</a:t>
+            </a:r>
+            <a:r>
+              <a:rPr lang="en-US" altLang="zh-CN" sz="1800" dirty="0">
+                <a:solidFill>
+                  <a:srgbClr val="080808"/>
+                </a:solidFill>
+                <a:effectLst/>
+                <a:latin typeface="JetBrains Mono"/>
+              </a:rPr>
+              <a:t>, </a:t>
+            </a:r>
+            <a:r>
+              <a:rPr lang="en-US" altLang="zh-CN" sz="1800" dirty="0">
+                <a:solidFill>
+                  <a:srgbClr val="1750EB"/>
+                </a:solidFill>
+                <a:effectLst/>
+                <a:latin typeface="JetBrains Mono"/>
+              </a:rPr>
+              <a:t>0.1</a:t>
+            </a:r>
+            <a:r>
+              <a:rPr lang="en-US" altLang="zh-CN" sz="1800" dirty="0">
+                <a:solidFill>
+                  <a:srgbClr val="080808"/>
+                </a:solidFill>
+                <a:effectLst/>
+                <a:latin typeface="JetBrains Mono"/>
+              </a:rPr>
+              <a:t>, </a:t>
+            </a:r>
+            <a:r>
+              <a:rPr lang="en-US" altLang="zh-CN" sz="1800" dirty="0">
+                <a:solidFill>
+                  <a:srgbClr val="1750EB"/>
+                </a:solidFill>
+                <a:effectLst/>
+                <a:latin typeface="JetBrains Mono"/>
+              </a:rPr>
+              <a:t>0.06</a:t>
+            </a:r>
+            <a:r>
+              <a:rPr lang="en-US" altLang="zh-CN" sz="1800" dirty="0">
+                <a:solidFill>
+                  <a:srgbClr val="080808"/>
+                </a:solidFill>
+                <a:effectLst/>
+                <a:latin typeface="JetBrains Mono"/>
+              </a:rPr>
+              <a:t>]</a:t>
             </a:r>
           </a:p>
         </p:txBody>
       </p:sp>
       <p:pic>
         <p:nvPicPr>
-          <p:cNvPr id="4" name="图片 3">
+          <p:cNvPr id="3" name="图片 2">
             <a:extLst>
               <a:ext uri="{FF2B5EF4-FFF2-40B4-BE49-F238E27FC236}">
-                <a16:creationId xmlns:a16="http://schemas.microsoft.com/office/drawing/2014/main" id="{6CE9E987-4EEB-0CCB-FA81-04F5BADE4D5F}"/>
+                <a16:creationId xmlns:a16="http://schemas.microsoft.com/office/drawing/2014/main" id="{7355BD67-9E2D-F42F-3948-9B9C2FF248CF}"/>
               </a:ext>
             </a:extLst>
           </p:cNvPr>
@@ -6820,7 +7346,787 @@
         </p:blipFill>
         <p:spPr>
           <a:xfrm>
-            <a:off x="3169914" y="1234435"/>
+            <a:off x="6252456" y="1532593"/>
+            <a:ext cx="5185934" cy="3704239"/>
+          </a:xfrm>
+          <a:prstGeom prst="rect">
+            <a:avLst/>
+          </a:prstGeom>
+        </p:spPr>
+      </p:pic>
+      <p:pic>
+        <p:nvPicPr>
+          <p:cNvPr id="6" name="图片 5">
+            <a:extLst>
+              <a:ext uri="{FF2B5EF4-FFF2-40B4-BE49-F238E27FC236}">
+                <a16:creationId xmlns:a16="http://schemas.microsoft.com/office/drawing/2014/main" id="{FB019DCD-CEA6-4416-8FDC-CB1B1EE90524}"/>
+              </a:ext>
+            </a:extLst>
+          </p:cNvPr>
+          <p:cNvPicPr>
+            <a:picLocks noChangeAspect="1"/>
+          </p:cNvPicPr>
+          <p:nvPr/>
+        </p:nvPicPr>
+        <p:blipFill>
+          <a:blip r:embed="rId3">
+            <a:extLst>
+              <a:ext uri="{28A0092B-C50C-407E-A947-70E740481C1C}">
+                <a14:useLocalDpi xmlns:a14="http://schemas.microsoft.com/office/drawing/2010/main" val="0"/>
+              </a:ext>
+            </a:extLst>
+          </a:blip>
+          <a:stretch>
+            <a:fillRect/>
+          </a:stretch>
+        </p:blipFill>
+        <p:spPr>
+          <a:xfrm>
+            <a:off x="576017" y="1532593"/>
+            <a:ext cx="5185934" cy="3704239"/>
+          </a:xfrm>
+          <a:prstGeom prst="rect">
+            <a:avLst/>
+          </a:prstGeom>
+        </p:spPr>
+      </p:pic>
+    </p:spTree>
+    <p:extLst>
+      <p:ext uri="{BB962C8B-B14F-4D97-AF65-F5344CB8AC3E}">
+        <p14:creationId xmlns:p14="http://schemas.microsoft.com/office/powerpoint/2010/main" val="1778905783"/>
+      </p:ext>
+    </p:extLst>
+  </p:cSld>
+  <p:clrMapOvr>
+    <a:masterClrMapping/>
+  </p:clrMapOvr>
+</p:sld>
+</file>
+
+<file path=ppt/slides/slide8.xml><?xml version="1.0" encoding="utf-8"?>
+<p:sld xmlns:a="http://schemas.openxmlformats.org/drawingml/2006/main" xmlns:r="http://schemas.openxmlformats.org/officeDocument/2006/relationships" xmlns:p="http://schemas.openxmlformats.org/presentationml/2006/main">
+  <p:cSld>
+    <p:spTree>
+      <p:nvGrpSpPr>
+        <p:cNvPr id="1" name=""/>
+        <p:cNvGrpSpPr/>
+        <p:nvPr/>
+      </p:nvGrpSpPr>
+      <p:grpSpPr>
+        <a:xfrm>
+          <a:off x="0" y="0"/>
+          <a:ext cx="0" cy="0"/>
+          <a:chOff x="0" y="0"/>
+          <a:chExt cx="0" cy="0"/>
+        </a:xfrm>
+      </p:grpSpPr>
+      <p:sp>
+        <p:nvSpPr>
+          <p:cNvPr id="4" name="文本框 3">
+            <a:extLst>
+              <a:ext uri="{FF2B5EF4-FFF2-40B4-BE49-F238E27FC236}">
+                <a16:creationId xmlns:a16="http://schemas.microsoft.com/office/drawing/2014/main" id="{E78BBAAE-A5CB-A77A-77A5-769A1B7BDF33}"/>
+              </a:ext>
+            </a:extLst>
+          </p:cNvPr>
+          <p:cNvSpPr txBox="1"/>
+          <p:nvPr/>
+        </p:nvSpPr>
+        <p:spPr>
+          <a:xfrm>
+            <a:off x="132272" y="80239"/>
+            <a:ext cx="10633494" cy="1200329"/>
+          </a:xfrm>
+          <a:prstGeom prst="rect">
+            <a:avLst/>
+          </a:prstGeom>
+          <a:noFill/>
+        </p:spPr>
+        <p:txBody>
+          <a:bodyPr wrap="square">
+            <a:spAutoFit/>
+          </a:bodyPr>
+          <a:lstStyle/>
+          <a:p>
+            <a:r>
+              <a:rPr lang="en-US" altLang="zh-CN" sz="1800" dirty="0">
+                <a:solidFill>
+                  <a:srgbClr val="080808"/>
+                </a:solidFill>
+                <a:effectLst/>
+                <a:latin typeface="JetBrains Mono"/>
+              </a:rPr>
+              <a:t>n = </a:t>
+            </a:r>
+            <a:r>
+              <a:rPr lang="en-US" altLang="zh-CN" sz="1800" dirty="0">
+                <a:solidFill>
+                  <a:srgbClr val="1750EB"/>
+                </a:solidFill>
+                <a:effectLst/>
+                <a:latin typeface="JetBrains Mono"/>
+              </a:rPr>
+              <a:t>20    </a:t>
+            </a:r>
+            <a:r>
+              <a:rPr lang="en-US" altLang="zh-CN" sz="1800" i="1" dirty="0">
+                <a:solidFill>
+                  <a:srgbClr val="8C8C8C"/>
+                </a:solidFill>
+                <a:effectLst/>
+                <a:latin typeface="JetBrains Mono"/>
+              </a:rPr>
+              <a:t># </a:t>
+            </a:r>
+            <a:r>
+              <a:rPr lang="zh-CN" altLang="en-US" sz="1800" i="1" dirty="0">
+                <a:solidFill>
+                  <a:srgbClr val="8C8C8C"/>
+                </a:solidFill>
+                <a:effectLst/>
+                <a:latin typeface="宋体" panose="02010600030101010101" pitchFamily="2" charset="-122"/>
+                <a:ea typeface="宋体" panose="02010600030101010101" pitchFamily="2" charset="-122"/>
+              </a:rPr>
+              <a:t>最大噪声水平</a:t>
+            </a:r>
+            <a:br>
+              <a:rPr lang="en-US" altLang="zh-CN" sz="1800" i="1" dirty="0">
+                <a:solidFill>
+                  <a:srgbClr val="8C8C8C"/>
+                </a:solidFill>
+                <a:effectLst/>
+                <a:latin typeface="JetBrains Mono"/>
+              </a:rPr>
+            </a:br>
+            <a:r>
+              <a:rPr lang="en-US" altLang="zh-CN" sz="1800" dirty="0">
+                <a:solidFill>
+                  <a:srgbClr val="080808"/>
+                </a:solidFill>
+                <a:effectLst/>
+                <a:latin typeface="JetBrains Mono"/>
+              </a:rPr>
+              <a:t>s = </a:t>
+            </a:r>
+            <a:r>
+              <a:rPr lang="en-US" altLang="zh-CN" sz="1800" dirty="0">
+                <a:solidFill>
+                  <a:srgbClr val="1750EB"/>
+                </a:solidFill>
+                <a:effectLst/>
+                <a:latin typeface="JetBrains Mono"/>
+              </a:rPr>
+              <a:t>50   </a:t>
+            </a:r>
+            <a:r>
+              <a:rPr lang="en-US" altLang="zh-CN" sz="1800" i="1" dirty="0">
+                <a:solidFill>
+                  <a:srgbClr val="8C8C8C"/>
+                </a:solidFill>
+                <a:effectLst/>
+                <a:latin typeface="JetBrains Mono"/>
+              </a:rPr>
+              <a:t># </a:t>
+            </a:r>
+            <a:r>
+              <a:rPr lang="zh-CN" altLang="en-US" sz="1800" i="1" dirty="0">
+                <a:solidFill>
+                  <a:srgbClr val="8C8C8C"/>
+                </a:solidFill>
+                <a:effectLst/>
+                <a:latin typeface="宋体" panose="02010600030101010101" pitchFamily="2" charset="-122"/>
+                <a:ea typeface="宋体" panose="02010600030101010101" pitchFamily="2" charset="-122"/>
+              </a:rPr>
+              <a:t>分割数据的次数（对数据进行随机排序的次数）</a:t>
+            </a:r>
+            <a:br>
+              <a:rPr lang="zh-CN" altLang="en-US" sz="1800" i="1" dirty="0">
+                <a:solidFill>
+                  <a:srgbClr val="8C8C8C"/>
+                </a:solidFill>
+                <a:effectLst/>
+                <a:latin typeface="宋体" panose="02010600030101010101" pitchFamily="2" charset="-122"/>
+                <a:ea typeface="宋体" panose="02010600030101010101" pitchFamily="2" charset="-122"/>
+              </a:rPr>
+            </a:br>
+            <a:r>
+              <a:rPr lang="en-US" altLang="zh-CN" sz="1800" dirty="0">
+                <a:solidFill>
+                  <a:srgbClr val="080808"/>
+                </a:solidFill>
+                <a:effectLst/>
+                <a:latin typeface="JetBrains Mono"/>
+              </a:rPr>
+              <a:t>m = </a:t>
+            </a:r>
+            <a:r>
+              <a:rPr lang="en-US" altLang="zh-CN" sz="1800" dirty="0">
+                <a:solidFill>
+                  <a:srgbClr val="1750EB"/>
+                </a:solidFill>
+                <a:effectLst/>
+                <a:latin typeface="JetBrains Mono"/>
+              </a:rPr>
+              <a:t>20    </a:t>
+            </a:r>
+            <a:r>
+              <a:rPr lang="en-US" altLang="zh-CN" sz="1800" i="1" dirty="0">
+                <a:solidFill>
+                  <a:srgbClr val="8C8C8C"/>
+                </a:solidFill>
+                <a:effectLst/>
+                <a:latin typeface="JetBrains Mono"/>
+              </a:rPr>
+              <a:t># </a:t>
+            </a:r>
+            <a:r>
+              <a:rPr lang="zh-CN" altLang="en-US" sz="1800" i="1" dirty="0">
+                <a:solidFill>
+                  <a:srgbClr val="8C8C8C"/>
+                </a:solidFill>
+                <a:effectLst/>
+                <a:latin typeface="宋体" panose="02010600030101010101" pitchFamily="2" charset="-122"/>
+                <a:ea typeface="宋体" panose="02010600030101010101" pitchFamily="2" charset="-122"/>
+              </a:rPr>
+              <a:t>对于每次分割得到的训练集，生成</a:t>
+            </a:r>
+            <a:r>
+              <a:rPr lang="en-US" altLang="zh-CN" sz="1800" i="1" dirty="0">
+                <a:solidFill>
+                  <a:srgbClr val="8C8C8C"/>
+                </a:solidFill>
+                <a:effectLst/>
+                <a:latin typeface="JetBrains Mono"/>
+              </a:rPr>
+              <a:t>m</a:t>
+            </a:r>
+            <a:r>
+              <a:rPr lang="zh-CN" altLang="en-US" sz="1800" i="1" dirty="0">
+                <a:solidFill>
+                  <a:srgbClr val="8C8C8C"/>
+                </a:solidFill>
+                <a:effectLst/>
+                <a:latin typeface="宋体" panose="02010600030101010101" pitchFamily="2" charset="-122"/>
+                <a:ea typeface="宋体" panose="02010600030101010101" pitchFamily="2" charset="-122"/>
+              </a:rPr>
+              <a:t>次噪声</a:t>
+            </a:r>
+            <a:br>
+              <a:rPr lang="zh-CN" altLang="en-US" sz="1800" i="1" dirty="0">
+                <a:solidFill>
+                  <a:srgbClr val="8C8C8C"/>
+                </a:solidFill>
+                <a:effectLst/>
+                <a:latin typeface="宋体" panose="02010600030101010101" pitchFamily="2" charset="-122"/>
+                <a:ea typeface="宋体" panose="02010600030101010101" pitchFamily="2" charset="-122"/>
+              </a:rPr>
+            </a:br>
+            <a:r>
+              <a:rPr lang="en-US" altLang="zh-CN" sz="1800" dirty="0">
+                <a:solidFill>
+                  <a:srgbClr val="080808"/>
+                </a:solidFill>
+                <a:effectLst/>
+                <a:latin typeface="JetBrains Mono"/>
+              </a:rPr>
+              <a:t>times=[</a:t>
+            </a:r>
+            <a:r>
+              <a:rPr lang="en-US" altLang="zh-CN" sz="1800" dirty="0">
+                <a:solidFill>
+                  <a:srgbClr val="1750EB"/>
+                </a:solidFill>
+                <a:effectLst/>
+                <a:latin typeface="JetBrains Mono"/>
+              </a:rPr>
+              <a:t>0.96</a:t>
+            </a:r>
+            <a:r>
+              <a:rPr lang="en-US" altLang="zh-CN" sz="1800" dirty="0">
+                <a:solidFill>
+                  <a:srgbClr val="080808"/>
+                </a:solidFill>
+                <a:effectLst/>
+                <a:latin typeface="JetBrains Mono"/>
+              </a:rPr>
+              <a:t>, </a:t>
+            </a:r>
+            <a:r>
+              <a:rPr lang="en-US" altLang="zh-CN" sz="1800" dirty="0">
+                <a:solidFill>
+                  <a:srgbClr val="1750EB"/>
+                </a:solidFill>
+                <a:effectLst/>
+                <a:latin typeface="JetBrains Mono"/>
+              </a:rPr>
+              <a:t>0.18</a:t>
+            </a:r>
+            <a:r>
+              <a:rPr lang="en-US" altLang="zh-CN" sz="1800" dirty="0">
+                <a:solidFill>
+                  <a:srgbClr val="080808"/>
+                </a:solidFill>
+                <a:effectLst/>
+                <a:latin typeface="JetBrains Mono"/>
+              </a:rPr>
+              <a:t>, </a:t>
+            </a:r>
+            <a:r>
+              <a:rPr lang="en-US" altLang="zh-CN" sz="1800" dirty="0">
+                <a:solidFill>
+                  <a:srgbClr val="1750EB"/>
+                </a:solidFill>
+                <a:effectLst/>
+                <a:latin typeface="JetBrains Mono"/>
+              </a:rPr>
+              <a:t>0.05</a:t>
+            </a:r>
+            <a:r>
+              <a:rPr lang="en-US" altLang="zh-CN" sz="1800" dirty="0">
+                <a:solidFill>
+                  <a:srgbClr val="080808"/>
+                </a:solidFill>
+                <a:effectLst/>
+                <a:latin typeface="JetBrains Mono"/>
+              </a:rPr>
+              <a:t>]</a:t>
+            </a:r>
+          </a:p>
+        </p:txBody>
+      </p:sp>
+      <p:pic>
+        <p:nvPicPr>
+          <p:cNvPr id="8" name="图片 7">
+            <a:extLst>
+              <a:ext uri="{FF2B5EF4-FFF2-40B4-BE49-F238E27FC236}">
+                <a16:creationId xmlns:a16="http://schemas.microsoft.com/office/drawing/2014/main" id="{002A09E6-3DCB-3343-B03E-BA7425FB3BBD}"/>
+              </a:ext>
+            </a:extLst>
+          </p:cNvPr>
+          <p:cNvPicPr>
+            <a:picLocks noChangeAspect="1"/>
+          </p:cNvPicPr>
+          <p:nvPr/>
+        </p:nvPicPr>
+        <p:blipFill>
+          <a:blip r:embed="rId2">
+            <a:extLst>
+              <a:ext uri="{28A0092B-C50C-407E-A947-70E740481C1C}">
+                <a14:useLocalDpi xmlns:a14="http://schemas.microsoft.com/office/drawing/2010/main" val="0"/>
+              </a:ext>
+            </a:extLst>
+          </a:blip>
+          <a:stretch>
+            <a:fillRect/>
+          </a:stretch>
+        </p:blipFill>
+        <p:spPr>
+          <a:xfrm>
+            <a:off x="6196804" y="1587220"/>
+            <a:ext cx="5459768" cy="3899834"/>
+          </a:xfrm>
+          <a:prstGeom prst="rect">
+            <a:avLst/>
+          </a:prstGeom>
+        </p:spPr>
+      </p:pic>
+      <p:pic>
+        <p:nvPicPr>
+          <p:cNvPr id="5" name="图片 4">
+            <a:extLst>
+              <a:ext uri="{FF2B5EF4-FFF2-40B4-BE49-F238E27FC236}">
+                <a16:creationId xmlns:a16="http://schemas.microsoft.com/office/drawing/2014/main" id="{B2F68E7F-75C4-4AA2-BBB8-B3F96F13E91B}"/>
+              </a:ext>
+            </a:extLst>
+          </p:cNvPr>
+          <p:cNvPicPr>
+            <a:picLocks noChangeAspect="1"/>
+          </p:cNvPicPr>
+          <p:nvPr/>
+        </p:nvPicPr>
+        <p:blipFill>
+          <a:blip r:embed="rId2">
+            <a:extLst>
+              <a:ext uri="{28A0092B-C50C-407E-A947-70E740481C1C}">
+                <a14:useLocalDpi xmlns:a14="http://schemas.microsoft.com/office/drawing/2010/main" val="0"/>
+              </a:ext>
+            </a:extLst>
+          </a:blip>
+          <a:stretch>
+            <a:fillRect/>
+          </a:stretch>
+        </p:blipFill>
+        <p:spPr>
+          <a:xfrm>
+            <a:off x="328394" y="1587220"/>
+            <a:ext cx="5451516" cy="3893939"/>
+          </a:xfrm>
+          <a:prstGeom prst="rect">
+            <a:avLst/>
+          </a:prstGeom>
+        </p:spPr>
+      </p:pic>
+    </p:spTree>
+    <p:extLst>
+      <p:ext uri="{BB962C8B-B14F-4D97-AF65-F5344CB8AC3E}">
+        <p14:creationId xmlns:p14="http://schemas.microsoft.com/office/powerpoint/2010/main" val="115426468"/>
+      </p:ext>
+    </p:extLst>
+  </p:cSld>
+  <p:clrMapOvr>
+    <a:masterClrMapping/>
+  </p:clrMapOvr>
+</p:sld>
+</file>
+
+<file path=ppt/slides/slide9.xml><?xml version="1.0" encoding="utf-8"?>
+<p:sld xmlns:a="http://schemas.openxmlformats.org/drawingml/2006/main" xmlns:r="http://schemas.openxmlformats.org/officeDocument/2006/relationships" xmlns:p="http://schemas.openxmlformats.org/presentationml/2006/main">
+  <p:cSld>
+    <p:spTree>
+      <p:nvGrpSpPr>
+        <p:cNvPr id="1" name=""/>
+        <p:cNvGrpSpPr/>
+        <p:nvPr/>
+      </p:nvGrpSpPr>
+      <p:grpSpPr>
+        <a:xfrm>
+          <a:off x="0" y="0"/>
+          <a:ext cx="0" cy="0"/>
+          <a:chOff x="0" y="0"/>
+          <a:chExt cx="0" cy="0"/>
+        </a:xfrm>
+      </p:grpSpPr>
+      <p:sp>
+        <p:nvSpPr>
+          <p:cNvPr id="3" name="文本框 2">
+            <a:extLst>
+              <a:ext uri="{FF2B5EF4-FFF2-40B4-BE49-F238E27FC236}">
+                <a16:creationId xmlns:a16="http://schemas.microsoft.com/office/drawing/2014/main" id="{7F80D763-21C5-EF1B-56EE-1DE2DDB4BC80}"/>
+              </a:ext>
+            </a:extLst>
+          </p:cNvPr>
+          <p:cNvSpPr txBox="1"/>
+          <p:nvPr/>
+        </p:nvSpPr>
+        <p:spPr>
+          <a:xfrm>
+            <a:off x="281796" y="138355"/>
+            <a:ext cx="6096000" cy="1754326"/>
+          </a:xfrm>
+          <a:prstGeom prst="rect">
+            <a:avLst/>
+          </a:prstGeom>
+          <a:noFill/>
+        </p:spPr>
+        <p:txBody>
+          <a:bodyPr wrap="square">
+            <a:spAutoFit/>
+          </a:bodyPr>
+          <a:lstStyle/>
+          <a:p>
+            <a:r>
+              <a:rPr lang="zh-CN" altLang="en-US" dirty="0">
+                <a:solidFill>
+                  <a:srgbClr val="080808"/>
+                </a:solidFill>
+                <a:latin typeface="JetBrains Mono"/>
+              </a:rPr>
+              <a:t>噪声水平为 </a:t>
+            </a:r>
+            <a:r>
+              <a:rPr lang="en-US" altLang="zh-CN" dirty="0">
+                <a:solidFill>
+                  <a:srgbClr val="080808"/>
+                </a:solidFill>
+                <a:latin typeface="JetBrains Mono"/>
+              </a:rPr>
+              <a:t>0.95</a:t>
+            </a:r>
+            <a:br>
+              <a:rPr lang="en-US" altLang="zh-CN" sz="1800" i="1" dirty="0">
+                <a:solidFill>
+                  <a:srgbClr val="8C8C8C"/>
+                </a:solidFill>
+                <a:effectLst/>
+                <a:latin typeface="JetBrains Mono"/>
+              </a:rPr>
+            </a:br>
+            <a:r>
+              <a:rPr lang="en-US" altLang="zh-CN" sz="1800" dirty="0">
+                <a:solidFill>
+                  <a:srgbClr val="080808"/>
+                </a:solidFill>
+                <a:effectLst/>
+                <a:latin typeface="JetBrains Mono"/>
+              </a:rPr>
+              <a:t>s = </a:t>
+            </a:r>
+            <a:r>
+              <a:rPr lang="en-US" altLang="zh-CN" dirty="0">
+                <a:solidFill>
+                  <a:srgbClr val="1750EB"/>
+                </a:solidFill>
+                <a:latin typeface="JetBrains Mono"/>
+              </a:rPr>
+              <a:t>5</a:t>
+            </a:r>
+            <a:r>
+              <a:rPr lang="en-US" altLang="zh-CN" sz="1800" dirty="0">
+                <a:solidFill>
+                  <a:srgbClr val="1750EB"/>
+                </a:solidFill>
+                <a:effectLst/>
+                <a:latin typeface="JetBrains Mono"/>
+              </a:rPr>
+              <a:t>0   </a:t>
+            </a:r>
+            <a:r>
+              <a:rPr lang="en-US" altLang="zh-CN" sz="1800" i="1" dirty="0">
+                <a:solidFill>
+                  <a:srgbClr val="8C8C8C"/>
+                </a:solidFill>
+                <a:effectLst/>
+                <a:latin typeface="JetBrains Mono"/>
+              </a:rPr>
+              <a:t># </a:t>
+            </a:r>
+            <a:r>
+              <a:rPr lang="zh-CN" altLang="en-US" sz="1800" i="1" dirty="0">
+                <a:solidFill>
+                  <a:srgbClr val="8C8C8C"/>
+                </a:solidFill>
+                <a:effectLst/>
+                <a:latin typeface="宋体" panose="02010600030101010101" pitchFamily="2" charset="-122"/>
+                <a:ea typeface="宋体" panose="02010600030101010101" pitchFamily="2" charset="-122"/>
+              </a:rPr>
+              <a:t>分割数据的次数（对数据进行随机排序的次数）</a:t>
+            </a:r>
+            <a:br>
+              <a:rPr lang="zh-CN" altLang="en-US" sz="1800" i="1" dirty="0">
+                <a:solidFill>
+                  <a:srgbClr val="8C8C8C"/>
+                </a:solidFill>
+                <a:effectLst/>
+                <a:latin typeface="宋体" panose="02010600030101010101" pitchFamily="2" charset="-122"/>
+                <a:ea typeface="宋体" panose="02010600030101010101" pitchFamily="2" charset="-122"/>
+              </a:rPr>
+            </a:br>
+            <a:r>
+              <a:rPr lang="en-US" altLang="zh-CN" sz="1800" dirty="0">
+                <a:solidFill>
+                  <a:srgbClr val="080808"/>
+                </a:solidFill>
+                <a:effectLst/>
+                <a:latin typeface="JetBrains Mono"/>
+              </a:rPr>
+              <a:t>m = </a:t>
+            </a:r>
+            <a:r>
+              <a:rPr lang="en-US" altLang="zh-CN" sz="1800" dirty="0">
+                <a:solidFill>
+                  <a:srgbClr val="1750EB"/>
+                </a:solidFill>
+                <a:effectLst/>
+                <a:latin typeface="JetBrains Mono"/>
+              </a:rPr>
+              <a:t>20    </a:t>
+            </a:r>
+            <a:r>
+              <a:rPr lang="en-US" altLang="zh-CN" sz="1800" i="1" dirty="0">
+                <a:solidFill>
+                  <a:srgbClr val="8C8C8C"/>
+                </a:solidFill>
+                <a:effectLst/>
+                <a:latin typeface="JetBrains Mono"/>
+              </a:rPr>
+              <a:t># </a:t>
+            </a:r>
+            <a:r>
+              <a:rPr lang="zh-CN" altLang="en-US" sz="1800" i="1" dirty="0">
+                <a:solidFill>
+                  <a:srgbClr val="8C8C8C"/>
+                </a:solidFill>
+                <a:effectLst/>
+                <a:latin typeface="宋体" panose="02010600030101010101" pitchFamily="2" charset="-122"/>
+                <a:ea typeface="宋体" panose="02010600030101010101" pitchFamily="2" charset="-122"/>
+              </a:rPr>
+              <a:t>对于每次分割得到的训练集，生成</a:t>
+            </a:r>
+            <a:r>
+              <a:rPr lang="en-US" altLang="zh-CN" sz="1800" i="1" dirty="0">
+                <a:solidFill>
+                  <a:srgbClr val="8C8C8C"/>
+                </a:solidFill>
+                <a:effectLst/>
+                <a:latin typeface="JetBrains Mono"/>
+              </a:rPr>
+              <a:t>m</a:t>
+            </a:r>
+            <a:r>
+              <a:rPr lang="zh-CN" altLang="en-US" sz="1800" i="1" dirty="0">
+                <a:solidFill>
+                  <a:srgbClr val="8C8C8C"/>
+                </a:solidFill>
+                <a:effectLst/>
+                <a:latin typeface="宋体" panose="02010600030101010101" pitchFamily="2" charset="-122"/>
+                <a:ea typeface="宋体" panose="02010600030101010101" pitchFamily="2" charset="-122"/>
+              </a:rPr>
+              <a:t>次噪声</a:t>
+            </a:r>
+            <a:endParaRPr lang="en-US" altLang="zh-CN" sz="1800" i="1" dirty="0">
+              <a:solidFill>
+                <a:srgbClr val="8C8C8C"/>
+              </a:solidFill>
+              <a:effectLst/>
+              <a:latin typeface="宋体" panose="02010600030101010101" pitchFamily="2" charset="-122"/>
+              <a:ea typeface="宋体" panose="02010600030101010101" pitchFamily="2" charset="-122"/>
+            </a:endParaRPr>
+          </a:p>
+          <a:p>
+            <a:r>
+              <a:rPr lang="en-US" altLang="zh-CN" dirty="0">
+                <a:solidFill>
+                  <a:srgbClr val="080808"/>
+                </a:solidFill>
+                <a:latin typeface="JetBrains Mono"/>
+              </a:rPr>
+              <a:t>step=</a:t>
+            </a:r>
+            <a:r>
+              <a:rPr lang="en-US" altLang="zh-CN" dirty="0">
+                <a:solidFill>
+                  <a:schemeClr val="accent1">
+                    <a:lumMod val="75000"/>
+                  </a:schemeClr>
+                </a:solidFill>
+                <a:latin typeface="JetBrains Mono"/>
+              </a:rPr>
+              <a:t>0.1</a:t>
+            </a:r>
+          </a:p>
+          <a:p>
+            <a:r>
+              <a:rPr lang="zh-CN" altLang="en-US" dirty="0">
+                <a:solidFill>
+                  <a:schemeClr val="accent1">
+                    <a:lumMod val="75000"/>
+                  </a:schemeClr>
+                </a:solidFill>
+                <a:latin typeface="JetBrains Mono"/>
+              </a:rPr>
+              <a:t>这俩对于敏感：噪声比例</a:t>
+            </a:r>
+            <a:r>
+              <a:rPr lang="en-US" altLang="zh-CN" dirty="0">
+                <a:solidFill>
+                  <a:schemeClr val="accent1">
+                    <a:lumMod val="75000"/>
+                  </a:schemeClr>
+                </a:solidFill>
+                <a:latin typeface="JetBrains Mono"/>
+              </a:rPr>
+              <a:t>&gt;</a:t>
+            </a:r>
+            <a:r>
+              <a:rPr lang="zh-CN" altLang="en-US" dirty="0">
+                <a:solidFill>
+                  <a:schemeClr val="accent1">
+                    <a:lumMod val="75000"/>
+                  </a:schemeClr>
+                </a:solidFill>
+                <a:latin typeface="JetBrains Mono"/>
+              </a:rPr>
+              <a:t>噪声水平</a:t>
+            </a:r>
+            <a:endParaRPr lang="en-US" altLang="zh-CN" dirty="0">
+              <a:solidFill>
+                <a:schemeClr val="accent1">
+                  <a:lumMod val="75000"/>
+                </a:schemeClr>
+              </a:solidFill>
+              <a:latin typeface="JetBrains Mono"/>
+            </a:endParaRPr>
+          </a:p>
+          <a:p>
+            <a:r>
+              <a:rPr lang="en-US" altLang="zh-CN" dirty="0">
+                <a:solidFill>
+                  <a:schemeClr val="accent1">
+                    <a:lumMod val="75000"/>
+                  </a:schemeClr>
+                </a:solidFill>
+                <a:latin typeface="JetBrains Mono"/>
+              </a:rPr>
+              <a:t>1,0.9,0.02</a:t>
+            </a:r>
+          </a:p>
+        </p:txBody>
+      </p:sp>
+      <p:pic>
+        <p:nvPicPr>
+          <p:cNvPr id="8" name="图片 7">
+            <a:extLst>
+              <a:ext uri="{FF2B5EF4-FFF2-40B4-BE49-F238E27FC236}">
+                <a16:creationId xmlns:a16="http://schemas.microsoft.com/office/drawing/2014/main" id="{D8BDE9B7-CC0A-818C-7B86-CDC36EA7FAD2}"/>
+              </a:ext>
+            </a:extLst>
+          </p:cNvPr>
+          <p:cNvPicPr>
+            <a:picLocks noChangeAspect="1"/>
+          </p:cNvPicPr>
+          <p:nvPr/>
+        </p:nvPicPr>
+        <p:blipFill>
+          <a:blip r:embed="rId2">
+            <a:extLst>
+              <a:ext uri="{28A0092B-C50C-407E-A947-70E740481C1C}">
+                <a14:useLocalDpi xmlns:a14="http://schemas.microsoft.com/office/drawing/2010/main" val="0"/>
+              </a:ext>
+            </a:extLst>
+          </a:blip>
+          <a:stretch>
+            <a:fillRect/>
+          </a:stretch>
+        </p:blipFill>
+        <p:spPr>
+          <a:xfrm>
+            <a:off x="6133968" y="1892679"/>
+            <a:ext cx="5852172" cy="4389129"/>
+          </a:xfrm>
+          <a:prstGeom prst="rect">
+            <a:avLst/>
+          </a:prstGeom>
+        </p:spPr>
+      </p:pic>
+      <p:pic>
+        <p:nvPicPr>
+          <p:cNvPr id="12" name="图片 11">
+            <a:extLst>
+              <a:ext uri="{FF2B5EF4-FFF2-40B4-BE49-F238E27FC236}">
+                <a16:creationId xmlns:a16="http://schemas.microsoft.com/office/drawing/2014/main" id="{CBC0F344-34F8-6D72-1BCB-6FA8652C197E}"/>
+              </a:ext>
+            </a:extLst>
+          </p:cNvPr>
+          <p:cNvPicPr>
+            <a:picLocks noChangeAspect="1"/>
+          </p:cNvPicPr>
+          <p:nvPr/>
+        </p:nvPicPr>
+        <p:blipFill>
+          <a:blip r:embed="rId3">
+            <a:extLst>
+              <a:ext uri="{28A0092B-C50C-407E-A947-70E740481C1C}">
+                <a14:useLocalDpi xmlns:a14="http://schemas.microsoft.com/office/drawing/2010/main" val="0"/>
+              </a:ext>
+            </a:extLst>
+          </a:blip>
+          <a:stretch>
+            <a:fillRect/>
+          </a:stretch>
+        </p:blipFill>
+        <p:spPr>
+          <a:xfrm>
+            <a:off x="472722" y="1892679"/>
             <a:ext cx="5852172" cy="4389129"/>
           </a:xfrm>
           <a:prstGeom prst="rect">
@@ -6831,7 +8137,7 @@
     </p:spTree>
     <p:extLst>
       <p:ext uri="{BB962C8B-B14F-4D97-AF65-F5344CB8AC3E}">
-        <p14:creationId xmlns:p14="http://schemas.microsoft.com/office/powerpoint/2010/main" val="1486126379"/>
+        <p14:creationId xmlns:p14="http://schemas.microsoft.com/office/powerpoint/2010/main" val="2469082131"/>
       </p:ext>
     </p:extLst>
   </p:cSld>

--- a/sycode/emLiu.pptx
+++ b/sycode/emLiu.pptx
@@ -205,7 +205,7 @@
           <a:p>
             <a:fld id="{40BFB7F0-EBC1-48D5-9D65-4F699AB724A9}" type="datetimeFigureOut">
               <a:rPr lang="zh-CN" altLang="en-US" smtClean="0"/>
-              <a:t>2023/10/20</a:t>
+              <a:t>2023/10/24</a:t>
             </a:fld>
             <a:endParaRPr lang="zh-CN" altLang="en-US"/>
           </a:p>
@@ -619,7 +619,7 @@
           <a:p>
             <a:fld id="{7CB975A5-1082-4927-95DF-34EEBD0E3008}" type="datetimeFigureOut">
               <a:rPr lang="zh-CN" altLang="en-US" smtClean="0"/>
-              <a:t>2023/10/20</a:t>
+              <a:t>2023/10/24</a:t>
             </a:fld>
             <a:endParaRPr lang="zh-CN" altLang="en-US"/>
           </a:p>
@@ -817,7 +817,7 @@
           <a:p>
             <a:fld id="{7CB975A5-1082-4927-95DF-34EEBD0E3008}" type="datetimeFigureOut">
               <a:rPr lang="zh-CN" altLang="en-US" smtClean="0"/>
-              <a:t>2023/10/20</a:t>
+              <a:t>2023/10/24</a:t>
             </a:fld>
             <a:endParaRPr lang="zh-CN" altLang="en-US"/>
           </a:p>
@@ -1025,7 +1025,7 @@
           <a:p>
             <a:fld id="{7CB975A5-1082-4927-95DF-34EEBD0E3008}" type="datetimeFigureOut">
               <a:rPr lang="zh-CN" altLang="en-US" smtClean="0"/>
-              <a:t>2023/10/20</a:t>
+              <a:t>2023/10/24</a:t>
             </a:fld>
             <a:endParaRPr lang="zh-CN" altLang="en-US"/>
           </a:p>
@@ -1223,7 +1223,7 @@
           <a:p>
             <a:fld id="{7CB975A5-1082-4927-95DF-34EEBD0E3008}" type="datetimeFigureOut">
               <a:rPr lang="zh-CN" altLang="en-US" smtClean="0"/>
-              <a:t>2023/10/20</a:t>
+              <a:t>2023/10/24</a:t>
             </a:fld>
             <a:endParaRPr lang="zh-CN" altLang="en-US"/>
           </a:p>
@@ -1498,7 +1498,7 @@
           <a:p>
             <a:fld id="{7CB975A5-1082-4927-95DF-34EEBD0E3008}" type="datetimeFigureOut">
               <a:rPr lang="zh-CN" altLang="en-US" smtClean="0"/>
-              <a:t>2023/10/20</a:t>
+              <a:t>2023/10/24</a:t>
             </a:fld>
             <a:endParaRPr lang="zh-CN" altLang="en-US"/>
           </a:p>
@@ -1763,7 +1763,7 @@
           <a:p>
             <a:fld id="{7CB975A5-1082-4927-95DF-34EEBD0E3008}" type="datetimeFigureOut">
               <a:rPr lang="zh-CN" altLang="en-US" smtClean="0"/>
-              <a:t>2023/10/20</a:t>
+              <a:t>2023/10/24</a:t>
             </a:fld>
             <a:endParaRPr lang="zh-CN" altLang="en-US"/>
           </a:p>
@@ -2175,7 +2175,7 @@
           <a:p>
             <a:fld id="{7CB975A5-1082-4927-95DF-34EEBD0E3008}" type="datetimeFigureOut">
               <a:rPr lang="zh-CN" altLang="en-US" smtClean="0"/>
-              <a:t>2023/10/20</a:t>
+              <a:t>2023/10/24</a:t>
             </a:fld>
             <a:endParaRPr lang="zh-CN" altLang="en-US"/>
           </a:p>
@@ -2316,7 +2316,7 @@
           <a:p>
             <a:fld id="{7CB975A5-1082-4927-95DF-34EEBD0E3008}" type="datetimeFigureOut">
               <a:rPr lang="zh-CN" altLang="en-US" smtClean="0"/>
-              <a:t>2023/10/20</a:t>
+              <a:t>2023/10/24</a:t>
             </a:fld>
             <a:endParaRPr lang="zh-CN" altLang="en-US"/>
           </a:p>
@@ -2429,7 +2429,7 @@
           <a:p>
             <a:fld id="{7CB975A5-1082-4927-95DF-34EEBD0E3008}" type="datetimeFigureOut">
               <a:rPr lang="zh-CN" altLang="en-US" smtClean="0"/>
-              <a:t>2023/10/20</a:t>
+              <a:t>2023/10/24</a:t>
             </a:fld>
             <a:endParaRPr lang="zh-CN" altLang="en-US"/>
           </a:p>
@@ -2740,7 +2740,7 @@
           <a:p>
             <a:fld id="{7CB975A5-1082-4927-95DF-34EEBD0E3008}" type="datetimeFigureOut">
               <a:rPr lang="zh-CN" altLang="en-US" smtClean="0"/>
-              <a:t>2023/10/20</a:t>
+              <a:t>2023/10/24</a:t>
             </a:fld>
             <a:endParaRPr lang="zh-CN" altLang="en-US"/>
           </a:p>
@@ -3028,7 +3028,7 @@
           <a:p>
             <a:fld id="{7CB975A5-1082-4927-95DF-34EEBD0E3008}" type="datetimeFigureOut">
               <a:rPr lang="zh-CN" altLang="en-US" smtClean="0"/>
-              <a:t>2023/10/20</a:t>
+              <a:t>2023/10/24</a:t>
             </a:fld>
             <a:endParaRPr lang="zh-CN" altLang="en-US"/>
           </a:p>
@@ -3269,7 +3269,7 @@
           <a:p>
             <a:fld id="{7CB975A5-1082-4927-95DF-34EEBD0E3008}" type="datetimeFigureOut">
               <a:rPr lang="zh-CN" altLang="en-US" smtClean="0"/>
-              <a:t>2023/10/20</a:t>
+              <a:t>2023/10/24</a:t>
             </a:fld>
             <a:endParaRPr lang="zh-CN" altLang="en-US"/>
           </a:p>
@@ -6393,8 +6393,8 @@
           <a:chExt cx="0" cy="0"/>
         </a:xfrm>
       </p:grpSpPr>
-      <mc:AlternateContent xmlns:mc="http://schemas.openxmlformats.org/markup-compatibility/2006" xmlns:a14="http://schemas.microsoft.com/office/drawing/2010/main">
-        <mc:Choice Requires="a14">
+      <mc:AlternateContent xmlns:mc="http://schemas.openxmlformats.org/markup-compatibility/2006">
+        <mc:Choice xmlns:a14="http://schemas.microsoft.com/office/drawing/2010/main" Requires="a14">
           <p:sp>
             <p:nvSpPr>
               <p:cNvPr id="2" name="文本框 1">
@@ -6409,7 +6409,7 @@
             </p:nvSpPr>
             <p:spPr>
               <a:xfrm>
-                <a:off x="2223786" y="1970150"/>
+                <a:off x="2223786" y="736968"/>
                 <a:ext cx="7744428" cy="2078389"/>
               </a:xfrm>
               <a:prstGeom prst="rect">
@@ -6583,7 +6583,7 @@
             </p:txBody>
           </p:sp>
         </mc:Choice>
-        <mc:Fallback xmlns="">
+        <mc:Fallback>
           <p:sp>
             <p:nvSpPr>
               <p:cNvPr id="2" name="文本框 1">
@@ -6600,7 +6600,7 @@
             </p:nvSpPr>
             <p:spPr>
               <a:xfrm>
-                <a:off x="2223786" y="1970150"/>
+                <a:off x="2223786" y="736968"/>
                 <a:ext cx="7744428" cy="2078389"/>
               </a:xfrm>
               <a:prstGeom prst="rect">
@@ -6628,6 +6628,87 @@
           </p:sp>
         </mc:Fallback>
       </mc:AlternateContent>
+      <p:sp>
+        <p:nvSpPr>
+          <p:cNvPr id="3" name="文本框 2">
+            <a:extLst>
+              <a:ext uri="{FF2B5EF4-FFF2-40B4-BE49-F238E27FC236}">
+                <a16:creationId xmlns:a16="http://schemas.microsoft.com/office/drawing/2014/main" id="{186E42A1-8F16-43C2-9D7B-B216D4F15C04}"/>
+              </a:ext>
+            </a:extLst>
+          </p:cNvPr>
+          <p:cNvSpPr txBox="1"/>
+          <p:nvPr/>
+        </p:nvSpPr>
+        <p:spPr>
+          <a:xfrm>
+            <a:off x="2173291" y="3590623"/>
+            <a:ext cx="8648521" cy="1615122"/>
+          </a:xfrm>
+          <a:prstGeom prst="rect">
+            <a:avLst/>
+          </a:prstGeom>
+          <a:noFill/>
+        </p:spPr>
+        <p:txBody>
+          <a:bodyPr wrap="none" rtlCol="0">
+            <a:spAutoFit/>
+          </a:bodyPr>
+          <a:lstStyle/>
+          <a:p>
+            <a:pPr>
+              <a:lnSpc>
+                <a:spcPct val="150000"/>
+              </a:lnSpc>
+            </a:pPr>
+            <a:r>
+              <a:rPr lang="zh-CN" altLang="en-US" sz="2800" b="1" dirty="0"/>
+              <a:t>实验改进：</a:t>
+            </a:r>
+            <a:endParaRPr lang="en-US" altLang="zh-CN" sz="2800" b="1" dirty="0"/>
+          </a:p>
+          <a:p>
+            <a:pPr>
+              <a:lnSpc>
+                <a:spcPct val="150000"/>
+              </a:lnSpc>
+            </a:pPr>
+            <a:r>
+              <a:rPr lang="zh-CN" altLang="en-US" sz="2000" b="1" dirty="0"/>
+              <a:t>固定噪声比例</a:t>
+            </a:r>
+            <a:r>
+              <a:rPr lang="zh-CN" altLang="en-US" sz="2000" dirty="0"/>
+              <a:t>：设置几组不同</a:t>
+            </a:r>
+            <a:r>
+              <a:rPr lang="en-US" altLang="zh-CN" sz="2000" dirty="0"/>
+              <a:t>pattern</a:t>
+            </a:r>
+            <a:r>
+              <a:rPr lang="zh-CN" altLang="en-US" sz="2000" dirty="0"/>
+              <a:t>，固定噪声比例进行实验</a:t>
+            </a:r>
+            <a:endParaRPr lang="en-US" altLang="zh-CN" sz="2000" dirty="0"/>
+          </a:p>
+          <a:p>
+            <a:pPr>
+              <a:lnSpc>
+                <a:spcPct val="150000"/>
+              </a:lnSpc>
+            </a:pPr>
+            <a:r>
+              <a:rPr lang="zh-CN" altLang="en-US" sz="2000" b="1" dirty="0"/>
+              <a:t>训练集增大实验</a:t>
+            </a:r>
+            <a:r>
+              <a:rPr lang="zh-CN" altLang="en-US" sz="2000" dirty="0"/>
+              <a:t>：固定噪声水平、噪声比例，调整训练集比例大小进行实验</a:t>
+            </a:r>
+            <a:endParaRPr lang="en-US" altLang="zh-CN" sz="2000" dirty="0"/>
+          </a:p>
+        </p:txBody>
+      </p:sp>
     </p:spTree>
     <p:extLst>
       <p:ext uri="{BB962C8B-B14F-4D97-AF65-F5344CB8AC3E}">
@@ -8014,7 +8095,7 @@
                 </a:solidFill>
                 <a:latin typeface="JetBrains Mono"/>
               </a:rPr>
-              <a:t>这俩对于敏感：噪声比例</a:t>
+              <a:t>敏感变量：噪声比例</a:t>
             </a:r>
             <a:r>
               <a:rPr lang="en-US" altLang="zh-CN" dirty="0">

--- a/sycode/emLiu.pptx
+++ b/sycode/emLiu.pptx
@@ -5,7 +5,7 @@
     <p:sldMasterId id="2147483648" r:id="rId1"/>
   </p:sldMasterIdLst>
   <p:notesMasterIdLst>
-    <p:notesMasterId r:id="rId11"/>
+    <p:notesMasterId r:id="rId12"/>
   </p:notesMasterIdLst>
   <p:sldIdLst>
     <p:sldId id="275" r:id="rId2"/>
@@ -14,9 +14,10 @@
     <p:sldId id="281" r:id="rId5"/>
     <p:sldId id="282" r:id="rId6"/>
     <p:sldId id="259" r:id="rId7"/>
-    <p:sldId id="263" r:id="rId8"/>
-    <p:sldId id="264" r:id="rId9"/>
-    <p:sldId id="260" r:id="rId10"/>
+    <p:sldId id="271" r:id="rId8"/>
+    <p:sldId id="272" r:id="rId9"/>
+    <p:sldId id="283" r:id="rId10"/>
+    <p:sldId id="274" r:id="rId11"/>
   </p:sldIdLst>
   <p:sldSz cx="12192000" cy="6858000"/>
   <p:notesSz cx="6858000" cy="9144000"/>
@@ -205,7 +206,7 @@
           <a:p>
             <a:fld id="{40BFB7F0-EBC1-48D5-9D65-4F699AB724A9}" type="datetimeFigureOut">
               <a:rPr lang="zh-CN" altLang="en-US" smtClean="0"/>
-              <a:t>2023/10/24</a:t>
+              <a:t>2023/11/28</a:t>
             </a:fld>
             <a:endParaRPr lang="zh-CN" altLang="en-US"/>
           </a:p>
@@ -619,7 +620,7 @@
           <a:p>
             <a:fld id="{7CB975A5-1082-4927-95DF-34EEBD0E3008}" type="datetimeFigureOut">
               <a:rPr lang="zh-CN" altLang="en-US" smtClean="0"/>
-              <a:t>2023/10/24</a:t>
+              <a:t>2023/11/28</a:t>
             </a:fld>
             <a:endParaRPr lang="zh-CN" altLang="en-US"/>
           </a:p>
@@ -817,7 +818,7 @@
           <a:p>
             <a:fld id="{7CB975A5-1082-4927-95DF-34EEBD0E3008}" type="datetimeFigureOut">
               <a:rPr lang="zh-CN" altLang="en-US" smtClean="0"/>
-              <a:t>2023/10/24</a:t>
+              <a:t>2023/11/28</a:t>
             </a:fld>
             <a:endParaRPr lang="zh-CN" altLang="en-US"/>
           </a:p>
@@ -1025,7 +1026,7 @@
           <a:p>
             <a:fld id="{7CB975A5-1082-4927-95DF-34EEBD0E3008}" type="datetimeFigureOut">
               <a:rPr lang="zh-CN" altLang="en-US" smtClean="0"/>
-              <a:t>2023/10/24</a:t>
+              <a:t>2023/11/28</a:t>
             </a:fld>
             <a:endParaRPr lang="zh-CN" altLang="en-US"/>
           </a:p>
@@ -1223,7 +1224,7 @@
           <a:p>
             <a:fld id="{7CB975A5-1082-4927-95DF-34EEBD0E3008}" type="datetimeFigureOut">
               <a:rPr lang="zh-CN" altLang="en-US" smtClean="0"/>
-              <a:t>2023/10/24</a:t>
+              <a:t>2023/11/28</a:t>
             </a:fld>
             <a:endParaRPr lang="zh-CN" altLang="en-US"/>
           </a:p>
@@ -1498,7 +1499,7 @@
           <a:p>
             <a:fld id="{7CB975A5-1082-4927-95DF-34EEBD0E3008}" type="datetimeFigureOut">
               <a:rPr lang="zh-CN" altLang="en-US" smtClean="0"/>
-              <a:t>2023/10/24</a:t>
+              <a:t>2023/11/28</a:t>
             </a:fld>
             <a:endParaRPr lang="zh-CN" altLang="en-US"/>
           </a:p>
@@ -1763,7 +1764,7 @@
           <a:p>
             <a:fld id="{7CB975A5-1082-4927-95DF-34EEBD0E3008}" type="datetimeFigureOut">
               <a:rPr lang="zh-CN" altLang="en-US" smtClean="0"/>
-              <a:t>2023/10/24</a:t>
+              <a:t>2023/11/28</a:t>
             </a:fld>
             <a:endParaRPr lang="zh-CN" altLang="en-US"/>
           </a:p>
@@ -2175,7 +2176,7 @@
           <a:p>
             <a:fld id="{7CB975A5-1082-4927-95DF-34EEBD0E3008}" type="datetimeFigureOut">
               <a:rPr lang="zh-CN" altLang="en-US" smtClean="0"/>
-              <a:t>2023/10/24</a:t>
+              <a:t>2023/11/28</a:t>
             </a:fld>
             <a:endParaRPr lang="zh-CN" altLang="en-US"/>
           </a:p>
@@ -2316,7 +2317,7 @@
           <a:p>
             <a:fld id="{7CB975A5-1082-4927-95DF-34EEBD0E3008}" type="datetimeFigureOut">
               <a:rPr lang="zh-CN" altLang="en-US" smtClean="0"/>
-              <a:t>2023/10/24</a:t>
+              <a:t>2023/11/28</a:t>
             </a:fld>
             <a:endParaRPr lang="zh-CN" altLang="en-US"/>
           </a:p>
@@ -2429,7 +2430,7 @@
           <a:p>
             <a:fld id="{7CB975A5-1082-4927-95DF-34EEBD0E3008}" type="datetimeFigureOut">
               <a:rPr lang="zh-CN" altLang="en-US" smtClean="0"/>
-              <a:t>2023/10/24</a:t>
+              <a:t>2023/11/28</a:t>
             </a:fld>
             <a:endParaRPr lang="zh-CN" altLang="en-US"/>
           </a:p>
@@ -2740,7 +2741,7 @@
           <a:p>
             <a:fld id="{7CB975A5-1082-4927-95DF-34EEBD0E3008}" type="datetimeFigureOut">
               <a:rPr lang="zh-CN" altLang="en-US" smtClean="0"/>
-              <a:t>2023/10/24</a:t>
+              <a:t>2023/11/28</a:t>
             </a:fld>
             <a:endParaRPr lang="zh-CN" altLang="en-US"/>
           </a:p>
@@ -3028,7 +3029,7 @@
           <a:p>
             <a:fld id="{7CB975A5-1082-4927-95DF-34EEBD0E3008}" type="datetimeFigureOut">
               <a:rPr lang="zh-CN" altLang="en-US" smtClean="0"/>
-              <a:t>2023/10/24</a:t>
+              <a:t>2023/11/28</a:t>
             </a:fld>
             <a:endParaRPr lang="zh-CN" altLang="en-US"/>
           </a:p>
@@ -3269,7 +3270,7 @@
           <a:p>
             <a:fld id="{7CB975A5-1082-4927-95DF-34EEBD0E3008}" type="datetimeFigureOut">
               <a:rPr lang="zh-CN" altLang="en-US" smtClean="0"/>
-              <a:t>2023/10/24</a:t>
+              <a:t>2023/11/28</a:t>
             </a:fld>
             <a:endParaRPr lang="zh-CN" altLang="en-US"/>
           </a:p>
@@ -5290,6 +5291,333 @@
 </p:sld>
 </file>
 
+<file path=ppt/slides/slide10.xml><?xml version="1.0" encoding="utf-8"?>
+<p:sld xmlns:a="http://schemas.openxmlformats.org/drawingml/2006/main" xmlns:r="http://schemas.openxmlformats.org/officeDocument/2006/relationships" xmlns:p="http://schemas.openxmlformats.org/presentationml/2006/main">
+  <p:cSld>
+    <p:spTree>
+      <p:nvGrpSpPr>
+        <p:cNvPr id="1" name=""/>
+        <p:cNvGrpSpPr/>
+        <p:nvPr/>
+      </p:nvGrpSpPr>
+      <p:grpSpPr>
+        <a:xfrm>
+          <a:off x="0" y="0"/>
+          <a:ext cx="0" cy="0"/>
+          <a:chOff x="0" y="0"/>
+          <a:chExt cx="0" cy="0"/>
+        </a:xfrm>
+      </p:grpSpPr>
+      <p:sp>
+        <p:nvSpPr>
+          <p:cNvPr id="4" name="文本框 3">
+            <a:extLst>
+              <a:ext uri="{FF2B5EF4-FFF2-40B4-BE49-F238E27FC236}">
+                <a16:creationId xmlns:a16="http://schemas.microsoft.com/office/drawing/2014/main" id="{E78BBAAE-A5CB-A77A-77A5-769A1B7BDF33}"/>
+              </a:ext>
+            </a:extLst>
+          </p:cNvPr>
+          <p:cNvSpPr txBox="1"/>
+          <p:nvPr/>
+        </p:nvSpPr>
+        <p:spPr>
+          <a:xfrm>
+            <a:off x="132272" y="109600"/>
+            <a:ext cx="10633494" cy="1200329"/>
+          </a:xfrm>
+          <a:prstGeom prst="rect">
+            <a:avLst/>
+          </a:prstGeom>
+          <a:noFill/>
+        </p:spPr>
+        <p:txBody>
+          <a:bodyPr wrap="square">
+            <a:spAutoFit/>
+          </a:bodyPr>
+          <a:lstStyle/>
+          <a:p>
+            <a:br>
+              <a:rPr lang="en-US" altLang="zh-CN" sz="1800" i="1" dirty="0">
+                <a:solidFill>
+                  <a:srgbClr val="8C8C8C"/>
+                </a:solidFill>
+                <a:effectLst/>
+                <a:latin typeface="JetBrains Mono"/>
+              </a:rPr>
+            </a:br>
+            <a:r>
+              <a:rPr lang="en-US" altLang="zh-CN" sz="1800" dirty="0">
+                <a:solidFill>
+                  <a:srgbClr val="080808"/>
+                </a:solidFill>
+                <a:effectLst/>
+                <a:latin typeface="JetBrains Mono"/>
+              </a:rPr>
+              <a:t>s = </a:t>
+            </a:r>
+            <a:r>
+              <a:rPr lang="en-US" altLang="zh-CN" dirty="0">
+                <a:solidFill>
+                  <a:srgbClr val="1750EB"/>
+                </a:solidFill>
+                <a:latin typeface="JetBrains Mono"/>
+              </a:rPr>
+              <a:t>20</a:t>
+            </a:r>
+            <a:r>
+              <a:rPr lang="en-US" altLang="zh-CN" sz="1800" dirty="0">
+                <a:solidFill>
+                  <a:srgbClr val="1750EB"/>
+                </a:solidFill>
+                <a:effectLst/>
+                <a:latin typeface="JetBrains Mono"/>
+              </a:rPr>
+              <a:t>0   </a:t>
+            </a:r>
+            <a:r>
+              <a:rPr lang="en-US" altLang="zh-CN" sz="1800" i="1" dirty="0">
+                <a:solidFill>
+                  <a:srgbClr val="8C8C8C"/>
+                </a:solidFill>
+                <a:effectLst/>
+                <a:latin typeface="JetBrains Mono"/>
+              </a:rPr>
+              <a:t># </a:t>
+            </a:r>
+            <a:r>
+              <a:rPr lang="zh-CN" altLang="en-US" sz="1800" i="1" dirty="0">
+                <a:solidFill>
+                  <a:srgbClr val="8C8C8C"/>
+                </a:solidFill>
+                <a:effectLst/>
+                <a:latin typeface="宋体" panose="02010600030101010101" pitchFamily="2" charset="-122"/>
+                <a:ea typeface="宋体" panose="02010600030101010101" pitchFamily="2" charset="-122"/>
+              </a:rPr>
+              <a:t>分割数据的次数（对数据进行随机排序的次数）</a:t>
+            </a:r>
+            <a:br>
+              <a:rPr lang="zh-CN" altLang="en-US" sz="1800" i="1" dirty="0">
+                <a:solidFill>
+                  <a:srgbClr val="8C8C8C"/>
+                </a:solidFill>
+                <a:effectLst/>
+                <a:latin typeface="宋体" panose="02010600030101010101" pitchFamily="2" charset="-122"/>
+                <a:ea typeface="宋体" panose="02010600030101010101" pitchFamily="2" charset="-122"/>
+              </a:rPr>
+            </a:br>
+            <a:r>
+              <a:rPr lang="en-US" altLang="zh-CN" sz="1800" dirty="0">
+                <a:solidFill>
+                  <a:srgbClr val="080808"/>
+                </a:solidFill>
+                <a:effectLst/>
+                <a:latin typeface="JetBrains Mono"/>
+              </a:rPr>
+              <a:t>m = </a:t>
+            </a:r>
+            <a:r>
+              <a:rPr lang="en-US" altLang="zh-CN" dirty="0">
+                <a:solidFill>
+                  <a:srgbClr val="1750EB"/>
+                </a:solidFill>
+                <a:latin typeface="JetBrains Mono"/>
+              </a:rPr>
+              <a:t>10</a:t>
+            </a:r>
+            <a:r>
+              <a:rPr lang="en-US" altLang="zh-CN" sz="1800" dirty="0">
+                <a:solidFill>
+                  <a:srgbClr val="1750EB"/>
+                </a:solidFill>
+                <a:effectLst/>
+                <a:latin typeface="JetBrains Mono"/>
+              </a:rPr>
+              <a:t>0    </a:t>
+            </a:r>
+            <a:r>
+              <a:rPr lang="en-US" altLang="zh-CN" sz="1800" i="1" dirty="0">
+                <a:solidFill>
+                  <a:srgbClr val="8C8C8C"/>
+                </a:solidFill>
+                <a:effectLst/>
+                <a:latin typeface="JetBrains Mono"/>
+              </a:rPr>
+              <a:t># </a:t>
+            </a:r>
+            <a:r>
+              <a:rPr lang="zh-CN" altLang="en-US" sz="1800" i="1" dirty="0">
+                <a:solidFill>
+                  <a:srgbClr val="8C8C8C"/>
+                </a:solidFill>
+                <a:effectLst/>
+                <a:latin typeface="宋体" panose="02010600030101010101" pitchFamily="2" charset="-122"/>
+                <a:ea typeface="宋体" panose="02010600030101010101" pitchFamily="2" charset="-122"/>
+              </a:rPr>
+              <a:t>对于每次分割得到的训练集，生成</a:t>
+            </a:r>
+            <a:r>
+              <a:rPr lang="en-US" altLang="zh-CN" sz="1800" i="1" dirty="0">
+                <a:solidFill>
+                  <a:srgbClr val="8C8C8C"/>
+                </a:solidFill>
+                <a:effectLst/>
+                <a:latin typeface="JetBrains Mono"/>
+              </a:rPr>
+              <a:t>m</a:t>
+            </a:r>
+            <a:r>
+              <a:rPr lang="zh-CN" altLang="en-US" sz="1800" i="1" dirty="0">
+                <a:solidFill>
+                  <a:srgbClr val="8C8C8C"/>
+                </a:solidFill>
+                <a:effectLst/>
+                <a:latin typeface="宋体" panose="02010600030101010101" pitchFamily="2" charset="-122"/>
+                <a:ea typeface="宋体" panose="02010600030101010101" pitchFamily="2" charset="-122"/>
+              </a:rPr>
+              <a:t>次噪声</a:t>
+            </a:r>
+            <a:br>
+              <a:rPr lang="zh-CN" altLang="en-US" sz="1800" i="1" dirty="0">
+                <a:solidFill>
+                  <a:srgbClr val="8C8C8C"/>
+                </a:solidFill>
+                <a:effectLst/>
+                <a:latin typeface="宋体" panose="02010600030101010101" pitchFamily="2" charset="-122"/>
+                <a:ea typeface="宋体" panose="02010600030101010101" pitchFamily="2" charset="-122"/>
+              </a:rPr>
+            </a:br>
+            <a:r>
+              <a:rPr lang="en-US" altLang="zh-CN" dirty="0">
+                <a:solidFill>
+                  <a:srgbClr val="080808"/>
+                </a:solidFill>
+                <a:latin typeface="JetBrains Mono"/>
+                <a:ea typeface="宋体" panose="02010600030101010101" pitchFamily="2" charset="-122"/>
+              </a:rPr>
+              <a:t>pattern</a:t>
+            </a:r>
+            <a:r>
+              <a:rPr lang="en-US" altLang="zh-CN" sz="1800" dirty="0">
+                <a:solidFill>
+                  <a:srgbClr val="080808"/>
+                </a:solidFill>
+                <a:effectLst/>
+                <a:latin typeface="JetBrains Mono"/>
+              </a:rPr>
+              <a:t>= [</a:t>
+            </a:r>
+            <a:r>
+              <a:rPr lang="en-US" altLang="zh-CN" sz="1800" dirty="0">
+                <a:solidFill>
+                  <a:srgbClr val="1750EB"/>
+                </a:solidFill>
+                <a:effectLst/>
+                <a:latin typeface="JetBrains Mono"/>
+              </a:rPr>
+              <a:t>1</a:t>
+            </a:r>
+            <a:r>
+              <a:rPr lang="en-US" altLang="zh-CN" sz="1800" dirty="0">
+                <a:solidFill>
+                  <a:srgbClr val="080808"/>
+                </a:solidFill>
+                <a:effectLst/>
+                <a:latin typeface="JetBrains Mono"/>
+              </a:rPr>
+              <a:t>, </a:t>
+            </a:r>
+            <a:r>
+              <a:rPr lang="en-US" altLang="zh-CN" sz="1800" dirty="0">
+                <a:solidFill>
+                  <a:srgbClr val="1750EB"/>
+                </a:solidFill>
+                <a:effectLst/>
+                <a:latin typeface="JetBrains Mono"/>
+              </a:rPr>
+              <a:t>0.1</a:t>
+            </a:r>
+            <a:r>
+              <a:rPr lang="en-US" altLang="zh-CN" sz="1800" dirty="0">
+                <a:solidFill>
+                  <a:srgbClr val="080808"/>
+                </a:solidFill>
+                <a:effectLst/>
+                <a:latin typeface="JetBrains Mono"/>
+              </a:rPr>
+              <a:t>, </a:t>
+            </a:r>
+            <a:r>
+              <a:rPr lang="en-US" altLang="zh-CN" sz="1800" dirty="0">
+                <a:solidFill>
+                  <a:srgbClr val="1750EB"/>
+                </a:solidFill>
+                <a:effectLst/>
+                <a:latin typeface="JetBrains Mono"/>
+              </a:rPr>
+              <a:t>0.02</a:t>
+            </a:r>
+            <a:r>
+              <a:rPr lang="en-US" altLang="zh-CN" sz="1800" dirty="0">
+                <a:solidFill>
+                  <a:srgbClr val="080808"/>
+                </a:solidFill>
+                <a:effectLst/>
+                <a:latin typeface="JetBrains Mono"/>
+              </a:rPr>
+              <a:t>]</a:t>
+            </a:r>
+          </a:p>
+        </p:txBody>
+      </p:sp>
+      <p:pic>
+        <p:nvPicPr>
+          <p:cNvPr id="3" name="图片 2">
+            <a:extLst>
+              <a:ext uri="{FF2B5EF4-FFF2-40B4-BE49-F238E27FC236}">
+                <a16:creationId xmlns:a16="http://schemas.microsoft.com/office/drawing/2014/main" id="{11456383-2849-B968-6E38-61BFEAB6BB94}"/>
+              </a:ext>
+            </a:extLst>
+          </p:cNvPr>
+          <p:cNvPicPr>
+            <a:picLocks noChangeAspect="1"/>
+          </p:cNvPicPr>
+          <p:nvPr/>
+        </p:nvPicPr>
+        <p:blipFill>
+          <a:blip r:embed="rId2">
+            <a:extLst>
+              <a:ext uri="{28A0092B-C50C-407E-A947-70E740481C1C}">
+                <a14:useLocalDpi xmlns:a14="http://schemas.microsoft.com/office/drawing/2010/main" val="0"/>
+              </a:ext>
+            </a:extLst>
+          </a:blip>
+          <a:stretch>
+            <a:fillRect/>
+          </a:stretch>
+        </p:blipFill>
+        <p:spPr>
+          <a:xfrm>
+            <a:off x="2655794" y="1413876"/>
+            <a:ext cx="6281283" cy="4710963"/>
+          </a:xfrm>
+          <a:prstGeom prst="rect">
+            <a:avLst/>
+          </a:prstGeom>
+        </p:spPr>
+      </p:pic>
+    </p:spTree>
+    <p:extLst>
+      <p:ext uri="{BB962C8B-B14F-4D97-AF65-F5344CB8AC3E}">
+        <p14:creationId xmlns:p14="http://schemas.microsoft.com/office/powerpoint/2010/main" val="3120222024"/>
+      </p:ext>
+    </p:extLst>
+  </p:cSld>
+  <p:clrMapOvr>
+    <a:masterClrMapping/>
+  </p:clrMapOvr>
+</p:sld>
+</file>
+
 <file path=ppt/slides/slide2.xml><?xml version="1.0" encoding="utf-8"?>
 <p:sld xmlns:a="http://schemas.openxmlformats.org/drawingml/2006/main" xmlns:r="http://schemas.openxmlformats.org/officeDocument/2006/relationships" xmlns:p="http://schemas.openxmlformats.org/presentationml/2006/main">
   <p:cSld>
@@ -6393,8 +6721,8 @@
           <a:chExt cx="0" cy="0"/>
         </a:xfrm>
       </p:grpSpPr>
-      <mc:AlternateContent xmlns:mc="http://schemas.openxmlformats.org/markup-compatibility/2006">
-        <mc:Choice xmlns:a14="http://schemas.microsoft.com/office/drawing/2010/main" Requires="a14">
+      <mc:AlternateContent xmlns:mc="http://schemas.openxmlformats.org/markup-compatibility/2006" xmlns:a14="http://schemas.microsoft.com/office/drawing/2010/main">
+        <mc:Choice Requires="a14">
           <p:sp>
             <p:nvSpPr>
               <p:cNvPr id="2" name="文本框 1">
@@ -6583,7 +6911,7 @@
             </p:txBody>
           </p:sp>
         </mc:Choice>
-        <mc:Fallback>
+        <mc:Fallback xmlns="">
           <p:sp>
             <p:nvSpPr>
               <p:cNvPr id="2" name="文本框 1">
@@ -6767,47 +7095,6 @@
           </a:bodyPr>
           <a:lstStyle/>
           <a:p>
-            <a:r>
-              <a:rPr lang="en-US" altLang="zh-CN" sz="1800" dirty="0">
-                <a:solidFill>
-                  <a:srgbClr val="080808"/>
-                </a:solidFill>
-                <a:effectLst/>
-                <a:latin typeface="JetBrains Mono"/>
-              </a:rPr>
-              <a:t>n = </a:t>
-            </a:r>
-            <a:r>
-              <a:rPr lang="en-US" altLang="zh-CN" sz="1800" dirty="0">
-                <a:solidFill>
-                  <a:srgbClr val="1750EB"/>
-                </a:solidFill>
-                <a:effectLst/>
-                <a:latin typeface="JetBrains Mono"/>
-              </a:rPr>
-              <a:t>20    </a:t>
-            </a:r>
-            <a:r>
-              <a:rPr lang="en-US" altLang="zh-CN" sz="1800" i="1" dirty="0">
-                <a:solidFill>
-                  <a:srgbClr val="8C8C8C"/>
-                </a:solidFill>
-                <a:effectLst/>
-                <a:latin typeface="JetBrains Mono"/>
-              </a:rPr>
-              <a:t># </a:t>
-            </a:r>
-            <a:r>
-              <a:rPr lang="zh-CN" altLang="en-US" sz="1800" i="1" dirty="0">
-                <a:solidFill>
-                  <a:srgbClr val="8C8C8C"/>
-                </a:solidFill>
-                <a:effectLst/>
-                <a:latin typeface="宋体" panose="02010600030101010101" pitchFamily="2" charset="-122"/>
-                <a:ea typeface="宋体" panose="02010600030101010101" pitchFamily="2" charset="-122"/>
-              </a:rPr>
-              <a:t>最大噪声水平</a:t>
-            </a:r>
             <a:br>
               <a:rPr lang="en-US" altLang="zh-CN" sz="1800" i="1" dirty="0">
                 <a:solidFill>
@@ -7025,10 +7312,10 @@
       </p:sp>
       <p:pic>
         <p:nvPicPr>
-          <p:cNvPr id="12" name="图片 11">
+          <p:cNvPr id="5" name="图片 4">
             <a:extLst>
               <a:ext uri="{FF2B5EF4-FFF2-40B4-BE49-F238E27FC236}">
-                <a16:creationId xmlns:a16="http://schemas.microsoft.com/office/drawing/2014/main" id="{6AFCDE97-B4FA-7AF6-BBF9-0DF3D5CA485A}"/>
+                <a16:creationId xmlns:a16="http://schemas.microsoft.com/office/drawing/2014/main" id="{D46F8117-37BB-22BC-9FA4-B1E4F5CA38E8}"/>
               </a:ext>
             </a:extLst>
           </p:cNvPr>
@@ -7051,44 +7338,8 @@
         </p:blipFill>
         <p:spPr>
           <a:xfrm>
-            <a:off x="6281816" y="1610686"/>
-            <a:ext cx="5434814" cy="3882010"/>
-          </a:xfrm>
-          <a:prstGeom prst="rect">
-            <a:avLst/>
-          </a:prstGeom>
-        </p:spPr>
-      </p:pic>
-      <p:pic>
-        <p:nvPicPr>
-          <p:cNvPr id="14" name="图片 13">
-            <a:extLst>
-              <a:ext uri="{FF2B5EF4-FFF2-40B4-BE49-F238E27FC236}">
-                <a16:creationId xmlns:a16="http://schemas.microsoft.com/office/drawing/2014/main" id="{36D62F08-CE15-24AA-DF5E-17399874A561}"/>
-              </a:ext>
-            </a:extLst>
-          </p:cNvPr>
-          <p:cNvPicPr>
-            <a:picLocks noChangeAspect="1"/>
-          </p:cNvPicPr>
-          <p:nvPr/>
-        </p:nvPicPr>
-        <p:blipFill>
-          <a:blip r:embed="rId3">
-            <a:extLst>
-              <a:ext uri="{28A0092B-C50C-407E-A947-70E740481C1C}">
-                <a14:useLocalDpi xmlns:a14="http://schemas.microsoft.com/office/drawing/2010/main" val="0"/>
-              </a:ext>
-            </a:extLst>
-          </a:blip>
-          <a:stretch>
-            <a:fillRect/>
-          </a:stretch>
-        </p:blipFill>
-        <p:spPr>
-          <a:xfrm>
-            <a:off x="216576" y="1610687"/>
-            <a:ext cx="5434813" cy="3882009"/>
+            <a:off x="2561223" y="1238529"/>
+            <a:ext cx="7571102" cy="5407930"/>
           </a:xfrm>
           <a:prstGeom prst="rect">
             <a:avLst/>
@@ -7140,7 +7391,7 @@
         <p:spPr>
           <a:xfrm>
             <a:off x="132272" y="109600"/>
-            <a:ext cx="10633494" cy="1200329"/>
+            <a:ext cx="10633494" cy="1477328"/>
           </a:xfrm>
           <a:prstGeom prst="rect">
             <a:avLst/>
@@ -7153,6 +7404,15 @@
           </a:bodyPr>
           <a:lstStyle/>
           <a:p>
+            <a:br>
+              <a:rPr lang="en-US" altLang="zh-CN" sz="1800" i="1" dirty="0">
+                <a:solidFill>
+                  <a:srgbClr val="8C8C8C"/>
+                </a:solidFill>
+                <a:effectLst/>
+                <a:latin typeface="JetBrains Mono"/>
+              </a:rPr>
+            </a:br>
             <a:r>
               <a:rPr lang="en-US" altLang="zh-CN" sz="1800" dirty="0">
                 <a:solidFill>
@@ -7161,7 +7421,7 @@
                 <a:effectLst/>
                 <a:latin typeface="JetBrains Mono"/>
               </a:rPr>
-              <a:t>n = </a:t>
+              <a:t>s = </a:t>
             </a:r>
             <a:r>
               <a:rPr lang="en-US" altLang="zh-CN" sz="1800" dirty="0">
@@ -7171,7 +7431,7 @@
                 <a:effectLst/>
                 <a:latin typeface="JetBrains Mono"/>
               </a:rPr>
-              <a:t>20    </a:t>
+              <a:t>50   </a:t>
             </a:r>
             <a:r>
               <a:rPr lang="en-US" altLang="zh-CN" sz="1800" i="1" dirty="0">
@@ -7192,48 +7452,9 @@
                 <a:latin typeface="宋体" panose="02010600030101010101" pitchFamily="2" charset="-122"/>
                 <a:ea typeface="宋体" panose="02010600030101010101" pitchFamily="2" charset="-122"/>
               </a:rPr>
-              <a:t>最大噪声水平</a:t>
+              <a:t>分割数据的次数（对数据进行随机排序的次数）</a:t>
             </a:r>
             <a:br>
-              <a:rPr lang="en-US" altLang="zh-CN" sz="1800" i="1" dirty="0">
-                <a:solidFill>
-                  <a:srgbClr val="8C8C8C"/>
-                </a:solidFill>
-                <a:effectLst/>
-                <a:latin typeface="JetBrains Mono"/>
-              </a:rPr>
-            </a:br>
-            <a:r>
-              <a:rPr lang="en-US" altLang="zh-CN" sz="1800" dirty="0">
-                <a:solidFill>
-                  <a:srgbClr val="080808"/>
-                </a:solidFill>
-                <a:effectLst/>
-                <a:latin typeface="JetBrains Mono"/>
-              </a:rPr>
-              <a:t>s = </a:t>
-            </a:r>
-            <a:r>
-              <a:rPr lang="en-US" altLang="zh-CN" sz="1800" dirty="0">
-                <a:solidFill>
-                  <a:srgbClr val="1750EB"/>
-                </a:solidFill>
-                <a:effectLst/>
-                <a:latin typeface="JetBrains Mono"/>
-              </a:rPr>
-              <a:t>50   </a:t>
-            </a:r>
-            <a:r>
-              <a:rPr lang="en-US" altLang="zh-CN" sz="1800" i="1" dirty="0">
-                <a:solidFill>
-                  <a:srgbClr val="8C8C8C"/>
-                </a:solidFill>
-                <a:effectLst/>
-                <a:latin typeface="JetBrains Mono"/>
-              </a:rPr>
-              <a:t># </a:t>
-            </a:r>
-            <a:r>
               <a:rPr lang="zh-CN" altLang="en-US" sz="1800" i="1" dirty="0">
                 <a:solidFill>
                   <a:srgbClr val="8C8C8C"/>
@@ -7242,7 +7463,68 @@
                 <a:latin typeface="宋体" panose="02010600030101010101" pitchFamily="2" charset="-122"/>
                 <a:ea typeface="宋体" panose="02010600030101010101" pitchFamily="2" charset="-122"/>
               </a:rPr>
-              <a:t>分割数据的次数（对数据进行随机排序的次数）</a:t>
+            </a:br>
+            <a:r>
+              <a:rPr lang="en-US" altLang="zh-CN" sz="1800" dirty="0">
+                <a:solidFill>
+                  <a:srgbClr val="080808"/>
+                </a:solidFill>
+                <a:effectLst/>
+                <a:latin typeface="JetBrains Mono"/>
+              </a:rPr>
+              <a:t>m = </a:t>
+            </a:r>
+            <a:r>
+              <a:rPr lang="en-US" altLang="zh-CN" sz="1800" dirty="0">
+                <a:solidFill>
+                  <a:srgbClr val="1750EB"/>
+                </a:solidFill>
+                <a:effectLst/>
+                <a:latin typeface="JetBrains Mono"/>
+              </a:rPr>
+              <a:t>20    </a:t>
+            </a:r>
+            <a:r>
+              <a:rPr lang="en-US" altLang="zh-CN" sz="1800" i="1" dirty="0">
+                <a:solidFill>
+                  <a:srgbClr val="8C8C8C"/>
+                </a:solidFill>
+                <a:effectLst/>
+                <a:latin typeface="JetBrains Mono"/>
+              </a:rPr>
+              <a:t># </a:t>
+            </a:r>
+            <a:r>
+              <a:rPr lang="zh-CN" altLang="en-US" sz="1800" i="1" dirty="0">
+                <a:solidFill>
+                  <a:srgbClr val="8C8C8C"/>
+                </a:solidFill>
+                <a:effectLst/>
+                <a:latin typeface="宋体" panose="02010600030101010101" pitchFamily="2" charset="-122"/>
+                <a:ea typeface="宋体" panose="02010600030101010101" pitchFamily="2" charset="-122"/>
+              </a:rPr>
+              <a:t>对于每次分割得到的训练集，生成</a:t>
+            </a:r>
+            <a:r>
+              <a:rPr lang="en-US" altLang="zh-CN" sz="1800" i="1" dirty="0">
+                <a:solidFill>
+                  <a:srgbClr val="8C8C8C"/>
+                </a:solidFill>
+                <a:effectLst/>
+                <a:latin typeface="JetBrains Mono"/>
+              </a:rPr>
+              <a:t>m</a:t>
+            </a:r>
+            <a:r>
+              <a:rPr lang="zh-CN" altLang="en-US" sz="1800" i="1" dirty="0">
+                <a:solidFill>
+                  <a:srgbClr val="8C8C8C"/>
+                </a:solidFill>
+                <a:effectLst/>
+                <a:latin typeface="宋体" panose="02010600030101010101" pitchFamily="2" charset="-122"/>
+                <a:ea typeface="宋体" panose="02010600030101010101" pitchFamily="2" charset="-122"/>
+              </a:rPr>
+              <a:t>次噪声</a:t>
             </a:r>
             <a:br>
               <a:rPr lang="zh-CN" altLang="en-US" sz="1800" i="1" dirty="0">
@@ -7255,6 +7537,16 @@
               </a:rPr>
             </a:br>
             <a:r>
+              <a:rPr lang="en-US" altLang="zh-CN" dirty="0">
+                <a:solidFill>
+                  <a:srgbClr val="080808"/>
+                </a:solidFill>
+                <a:latin typeface="JetBrains Mono"/>
+                <a:ea typeface="宋体" panose="02010600030101010101" pitchFamily="2" charset="-122"/>
+              </a:rPr>
+              <a:t>pattern</a:t>
+            </a:r>
+            <a:r>
               <a:rPr lang="en-US" altLang="zh-CN" sz="1800" dirty="0">
                 <a:solidFill>
                   <a:srgbClr val="080808"/>
@@ -7262,7 +7554,7 @@
                 <a:effectLst/>
                 <a:latin typeface="JetBrains Mono"/>
               </a:rPr>
-              <a:t>m = </a:t>
+              <a:t>= [</a:t>
             </a:r>
             <a:r>
               <a:rPr lang="en-US" altLang="zh-CN" sz="1800" dirty="0">
@@ -7272,60 +7564,28 @@
                 <a:effectLst/>
                 <a:latin typeface="JetBrains Mono"/>
               </a:rPr>
-              <a:t>20    </a:t>
-            </a:r>
-            <a:r>
-              <a:rPr lang="en-US" altLang="zh-CN" sz="1800" i="1" dirty="0">
-                <a:solidFill>
-                  <a:srgbClr val="8C8C8C"/>
+              <a:t>0.97</a:t>
+            </a:r>
+            <a:r>
+              <a:rPr lang="en-US" altLang="zh-CN" sz="1800" dirty="0">
+                <a:solidFill>
+                  <a:srgbClr val="080808"/>
                 </a:solidFill>
                 <a:effectLst/>
                 <a:latin typeface="JetBrains Mono"/>
               </a:rPr>
-              <a:t># </a:t>
-            </a:r>
-            <a:r>
-              <a:rPr lang="zh-CN" altLang="en-US" sz="1800" i="1" dirty="0">
-                <a:solidFill>
-                  <a:srgbClr val="8C8C8C"/>
-                </a:solidFill>
-                <a:effectLst/>
-                <a:latin typeface="宋体" panose="02010600030101010101" pitchFamily="2" charset="-122"/>
-                <a:ea typeface="宋体" panose="02010600030101010101" pitchFamily="2" charset="-122"/>
-              </a:rPr>
-              <a:t>对于每次分割得到的训练集，生成</a:t>
-            </a:r>
-            <a:r>
-              <a:rPr lang="en-US" altLang="zh-CN" sz="1800" i="1" dirty="0">
-                <a:solidFill>
-                  <a:srgbClr val="8C8C8C"/>
+              <a:t>, </a:t>
+            </a:r>
+            <a:r>
+              <a:rPr lang="en-US" altLang="zh-CN" sz="1800" dirty="0">
+                <a:solidFill>
+                  <a:srgbClr val="1750EB"/>
                 </a:solidFill>
                 <a:effectLst/>
                 <a:latin typeface="JetBrains Mono"/>
               </a:rPr>
-              <a:t>m</a:t>
-            </a:r>
-            <a:r>
-              <a:rPr lang="zh-CN" altLang="en-US" sz="1800" i="1" dirty="0">
-                <a:solidFill>
-                  <a:srgbClr val="8C8C8C"/>
-                </a:solidFill>
-                <a:effectLst/>
-                <a:latin typeface="宋体" panose="02010600030101010101" pitchFamily="2" charset="-122"/>
-                <a:ea typeface="宋体" panose="02010600030101010101" pitchFamily="2" charset="-122"/>
-              </a:rPr>
-              <a:t>次噪声</a:t>
-            </a:r>
-            <a:br>
-              <a:rPr lang="zh-CN" altLang="en-US" sz="1800" i="1" dirty="0">
-                <a:solidFill>
-                  <a:srgbClr val="8C8C8C"/>
-                </a:solidFill>
-                <a:effectLst/>
-                <a:latin typeface="宋体" panose="02010600030101010101" pitchFamily="2" charset="-122"/>
-                <a:ea typeface="宋体" panose="02010600030101010101" pitchFamily="2" charset="-122"/>
-              </a:rPr>
-            </a:br>
+              <a:t>0.07</a:t>
+            </a:r>
             <a:r>
               <a:rPr lang="en-US" altLang="zh-CN" sz="1800" dirty="0">
                 <a:solidFill>
@@ -7334,7 +7594,7 @@
                 <a:effectLst/>
                 <a:latin typeface="JetBrains Mono"/>
               </a:rPr>
-              <a:t>times= [</a:t>
+              <a:t>, </a:t>
             </a:r>
             <a:r>
               <a:rPr lang="en-US" altLang="zh-CN" sz="1800" dirty="0">
@@ -7344,7 +7604,7 @@
                 <a:effectLst/>
                 <a:latin typeface="JetBrains Mono"/>
               </a:rPr>
-              <a:t>0.98</a:t>
+              <a:t>0.05</a:t>
             </a:r>
             <a:r>
               <a:rPr lang="en-US" altLang="zh-CN" sz="1800" dirty="0">
@@ -7354,48 +7614,17 @@
                 <a:effectLst/>
                 <a:latin typeface="JetBrains Mono"/>
               </a:rPr>
-              <a:t>, </a:t>
-            </a:r>
-            <a:r>
-              <a:rPr lang="en-US" altLang="zh-CN" sz="1800" dirty="0">
-                <a:solidFill>
-                  <a:srgbClr val="1750EB"/>
-                </a:solidFill>
-                <a:effectLst/>
-                <a:latin typeface="JetBrains Mono"/>
-              </a:rPr>
-              <a:t>0.1</a:t>
-            </a:r>
-            <a:r>
-              <a:rPr lang="en-US" altLang="zh-CN" sz="1800" dirty="0">
-                <a:solidFill>
-                  <a:srgbClr val="080808"/>
-                </a:solidFill>
-                <a:effectLst/>
-                <a:latin typeface="JetBrains Mono"/>
-              </a:rPr>
-              <a:t>, </a:t>
-            </a:r>
-            <a:r>
-              <a:rPr lang="en-US" altLang="zh-CN" sz="1800" dirty="0">
-                <a:solidFill>
-                  <a:srgbClr val="1750EB"/>
-                </a:solidFill>
-                <a:effectLst/>
-                <a:latin typeface="JetBrains Mono"/>
-              </a:rPr>
-              <a:t>0.06</a:t>
-            </a:r>
-            <a:r>
-              <a:rPr lang="en-US" altLang="zh-CN" sz="1800" dirty="0">
-                <a:solidFill>
-                  <a:srgbClr val="080808"/>
-                </a:solidFill>
-                <a:effectLst/>
-                <a:latin typeface="JetBrains Mono"/>
-              </a:rPr>
               <a:t>]</a:t>
             </a:r>
+          </a:p>
+          <a:p>
+            <a:endParaRPr lang="en-US" altLang="zh-CN" sz="1800" dirty="0">
+              <a:solidFill>
+                <a:srgbClr val="080808"/>
+              </a:solidFill>
+              <a:effectLst/>
+              <a:latin typeface="JetBrains Mono"/>
+            </a:endParaRPr>
           </a:p>
         </p:txBody>
       </p:sp>
@@ -7404,7 +7633,7 @@
           <p:cNvPr id="3" name="图片 2">
             <a:extLst>
               <a:ext uri="{FF2B5EF4-FFF2-40B4-BE49-F238E27FC236}">
-                <a16:creationId xmlns:a16="http://schemas.microsoft.com/office/drawing/2014/main" id="{7355BD67-9E2D-F42F-3948-9B9C2FF248CF}"/>
+                <a16:creationId xmlns:a16="http://schemas.microsoft.com/office/drawing/2014/main" id="{97439839-26C7-15FE-8DA1-5BB5B68CBEA8}"/>
               </a:ext>
             </a:extLst>
           </p:cNvPr>
@@ -7427,44 +7656,8 @@
         </p:blipFill>
         <p:spPr>
           <a:xfrm>
-            <a:off x="6252456" y="1532593"/>
-            <a:ext cx="5185934" cy="3704239"/>
-          </a:xfrm>
-          <a:prstGeom prst="rect">
-            <a:avLst/>
-          </a:prstGeom>
-        </p:spPr>
-      </p:pic>
-      <p:pic>
-        <p:nvPicPr>
-          <p:cNvPr id="6" name="图片 5">
-            <a:extLst>
-              <a:ext uri="{FF2B5EF4-FFF2-40B4-BE49-F238E27FC236}">
-                <a16:creationId xmlns:a16="http://schemas.microsoft.com/office/drawing/2014/main" id="{FB019DCD-CEA6-4416-8FDC-CB1B1EE90524}"/>
-              </a:ext>
-            </a:extLst>
-          </p:cNvPr>
-          <p:cNvPicPr>
-            <a:picLocks noChangeAspect="1"/>
-          </p:cNvPicPr>
-          <p:nvPr/>
-        </p:nvPicPr>
-        <p:blipFill>
-          <a:blip r:embed="rId3">
-            <a:extLst>
-              <a:ext uri="{28A0092B-C50C-407E-A947-70E740481C1C}">
-                <a14:useLocalDpi xmlns:a14="http://schemas.microsoft.com/office/drawing/2010/main" val="0"/>
-              </a:ext>
-            </a:extLst>
-          </a:blip>
-          <a:stretch>
-            <a:fillRect/>
-          </a:stretch>
-        </p:blipFill>
-        <p:spPr>
-          <a:xfrm>
-            <a:off x="576017" y="1532593"/>
-            <a:ext cx="5185934" cy="3704239"/>
+            <a:off x="2704524" y="1334064"/>
+            <a:ext cx="7332267" cy="5237333"/>
           </a:xfrm>
           <a:prstGeom prst="rect">
             <a:avLst/>
@@ -7474,7 +7667,7 @@
     </p:spTree>
     <p:extLst>
       <p:ext uri="{BB962C8B-B14F-4D97-AF65-F5344CB8AC3E}">
-        <p14:creationId xmlns:p14="http://schemas.microsoft.com/office/powerpoint/2010/main" val="1778905783"/>
+        <p14:creationId xmlns:p14="http://schemas.microsoft.com/office/powerpoint/2010/main" val="3096468796"/>
       </p:ext>
     </p:extLst>
   </p:cSld>
@@ -7515,8 +7708,8 @@
         </p:nvSpPr>
         <p:spPr>
           <a:xfrm>
-            <a:off x="132272" y="80239"/>
-            <a:ext cx="10633494" cy="1200329"/>
+            <a:off x="132272" y="109600"/>
+            <a:ext cx="10633494" cy="1477328"/>
           </a:xfrm>
           <a:prstGeom prst="rect">
             <a:avLst/>
@@ -7529,6 +7722,15 @@
           </a:bodyPr>
           <a:lstStyle/>
           <a:p>
+            <a:br>
+              <a:rPr lang="en-US" altLang="zh-CN" sz="1800" i="1" dirty="0">
+                <a:solidFill>
+                  <a:srgbClr val="8C8C8C"/>
+                </a:solidFill>
+                <a:effectLst/>
+                <a:latin typeface="JetBrains Mono"/>
+              </a:rPr>
+            </a:br>
             <a:r>
               <a:rPr lang="en-US" altLang="zh-CN" sz="1800" dirty="0">
                 <a:solidFill>
@@ -7537,7 +7739,7 @@
                 <a:effectLst/>
                 <a:latin typeface="JetBrains Mono"/>
               </a:rPr>
-              <a:t>n = </a:t>
+              <a:t>s = </a:t>
             </a:r>
             <a:r>
               <a:rPr lang="en-US" altLang="zh-CN" sz="1800" dirty="0">
@@ -7547,7 +7749,7 @@
                 <a:effectLst/>
                 <a:latin typeface="JetBrains Mono"/>
               </a:rPr>
-              <a:t>20    </a:t>
+              <a:t>50   </a:t>
             </a:r>
             <a:r>
               <a:rPr lang="en-US" altLang="zh-CN" sz="1800" i="1" dirty="0">
@@ -7568,48 +7770,9 @@
                 <a:latin typeface="宋体" panose="02010600030101010101" pitchFamily="2" charset="-122"/>
                 <a:ea typeface="宋体" panose="02010600030101010101" pitchFamily="2" charset="-122"/>
               </a:rPr>
-              <a:t>最大噪声水平</a:t>
+              <a:t>分割数据的次数（对数据进行随机排序的次数）</a:t>
             </a:r>
             <a:br>
-              <a:rPr lang="en-US" altLang="zh-CN" sz="1800" i="1" dirty="0">
-                <a:solidFill>
-                  <a:srgbClr val="8C8C8C"/>
-                </a:solidFill>
-                <a:effectLst/>
-                <a:latin typeface="JetBrains Mono"/>
-              </a:rPr>
-            </a:br>
-            <a:r>
-              <a:rPr lang="en-US" altLang="zh-CN" sz="1800" dirty="0">
-                <a:solidFill>
-                  <a:srgbClr val="080808"/>
-                </a:solidFill>
-                <a:effectLst/>
-                <a:latin typeface="JetBrains Mono"/>
-              </a:rPr>
-              <a:t>s = </a:t>
-            </a:r>
-            <a:r>
-              <a:rPr lang="en-US" altLang="zh-CN" sz="1800" dirty="0">
-                <a:solidFill>
-                  <a:srgbClr val="1750EB"/>
-                </a:solidFill>
-                <a:effectLst/>
-                <a:latin typeface="JetBrains Mono"/>
-              </a:rPr>
-              <a:t>50   </a:t>
-            </a:r>
-            <a:r>
-              <a:rPr lang="en-US" altLang="zh-CN" sz="1800" i="1" dirty="0">
-                <a:solidFill>
-                  <a:srgbClr val="8C8C8C"/>
-                </a:solidFill>
-                <a:effectLst/>
-                <a:latin typeface="JetBrains Mono"/>
-              </a:rPr>
-              <a:t># </a:t>
-            </a:r>
-            <a:r>
               <a:rPr lang="zh-CN" altLang="en-US" sz="1800" i="1" dirty="0">
                 <a:solidFill>
                   <a:srgbClr val="8C8C8C"/>
@@ -7618,7 +7781,68 @@
                 <a:latin typeface="宋体" panose="02010600030101010101" pitchFamily="2" charset="-122"/>
                 <a:ea typeface="宋体" panose="02010600030101010101" pitchFamily="2" charset="-122"/>
               </a:rPr>
-              <a:t>分割数据的次数（对数据进行随机排序的次数）</a:t>
+            </a:br>
+            <a:r>
+              <a:rPr lang="en-US" altLang="zh-CN" sz="1800" dirty="0">
+                <a:solidFill>
+                  <a:srgbClr val="080808"/>
+                </a:solidFill>
+                <a:effectLst/>
+                <a:latin typeface="JetBrains Mono"/>
+              </a:rPr>
+              <a:t>m = </a:t>
+            </a:r>
+            <a:r>
+              <a:rPr lang="en-US" altLang="zh-CN" sz="1800" dirty="0">
+                <a:solidFill>
+                  <a:srgbClr val="1750EB"/>
+                </a:solidFill>
+                <a:effectLst/>
+                <a:latin typeface="JetBrains Mono"/>
+              </a:rPr>
+              <a:t>20    </a:t>
+            </a:r>
+            <a:r>
+              <a:rPr lang="en-US" altLang="zh-CN" sz="1800" i="1" dirty="0">
+                <a:solidFill>
+                  <a:srgbClr val="8C8C8C"/>
+                </a:solidFill>
+                <a:effectLst/>
+                <a:latin typeface="JetBrains Mono"/>
+              </a:rPr>
+              <a:t># </a:t>
+            </a:r>
+            <a:r>
+              <a:rPr lang="zh-CN" altLang="en-US" sz="1800" i="1" dirty="0">
+                <a:solidFill>
+                  <a:srgbClr val="8C8C8C"/>
+                </a:solidFill>
+                <a:effectLst/>
+                <a:latin typeface="宋体" panose="02010600030101010101" pitchFamily="2" charset="-122"/>
+                <a:ea typeface="宋体" panose="02010600030101010101" pitchFamily="2" charset="-122"/>
+              </a:rPr>
+              <a:t>对于每次分割得到的训练集，生成</a:t>
+            </a:r>
+            <a:r>
+              <a:rPr lang="en-US" altLang="zh-CN" sz="1800" i="1" dirty="0">
+                <a:solidFill>
+                  <a:srgbClr val="8C8C8C"/>
+                </a:solidFill>
+                <a:effectLst/>
+                <a:latin typeface="JetBrains Mono"/>
+              </a:rPr>
+              <a:t>m</a:t>
+            </a:r>
+            <a:r>
+              <a:rPr lang="zh-CN" altLang="en-US" sz="1800" i="1" dirty="0">
+                <a:solidFill>
+                  <a:srgbClr val="8C8C8C"/>
+                </a:solidFill>
+                <a:effectLst/>
+                <a:latin typeface="宋体" panose="02010600030101010101" pitchFamily="2" charset="-122"/>
+                <a:ea typeface="宋体" panose="02010600030101010101" pitchFamily="2" charset="-122"/>
+              </a:rPr>
+              <a:t>次噪声</a:t>
             </a:r>
             <a:br>
               <a:rPr lang="zh-CN" altLang="en-US" sz="1800" i="1" dirty="0">
@@ -7631,6 +7855,16 @@
               </a:rPr>
             </a:br>
             <a:r>
+              <a:rPr lang="en-US" altLang="zh-CN" dirty="0">
+                <a:solidFill>
+                  <a:srgbClr val="080808"/>
+                </a:solidFill>
+                <a:latin typeface="JetBrains Mono"/>
+                <a:ea typeface="宋体" panose="02010600030101010101" pitchFamily="2" charset="-122"/>
+              </a:rPr>
+              <a:t>pattern</a:t>
+            </a:r>
+            <a:r>
               <a:rPr lang="en-US" altLang="zh-CN" sz="1800" dirty="0">
                 <a:solidFill>
                   <a:srgbClr val="080808"/>
@@ -7638,7 +7872,7 @@
                 <a:effectLst/>
                 <a:latin typeface="JetBrains Mono"/>
               </a:rPr>
-              <a:t>m = </a:t>
+              <a:t>=[</a:t>
             </a:r>
             <a:r>
               <a:rPr lang="en-US" altLang="zh-CN" sz="1800" dirty="0">
@@ -7648,60 +7882,28 @@
                 <a:effectLst/>
                 <a:latin typeface="JetBrains Mono"/>
               </a:rPr>
-              <a:t>20    </a:t>
-            </a:r>
-            <a:r>
-              <a:rPr lang="en-US" altLang="zh-CN" sz="1800" i="1" dirty="0">
-                <a:solidFill>
-                  <a:srgbClr val="8C8C8C"/>
+              <a:t>0.99</a:t>
+            </a:r>
+            <a:r>
+              <a:rPr lang="en-US" altLang="zh-CN" sz="1800" dirty="0">
+                <a:solidFill>
+                  <a:srgbClr val="080808"/>
                 </a:solidFill>
                 <a:effectLst/>
                 <a:latin typeface="JetBrains Mono"/>
               </a:rPr>
-              <a:t># </a:t>
-            </a:r>
-            <a:r>
-              <a:rPr lang="zh-CN" altLang="en-US" sz="1800" i="1" dirty="0">
-                <a:solidFill>
-                  <a:srgbClr val="8C8C8C"/>
-                </a:solidFill>
-                <a:effectLst/>
-                <a:latin typeface="宋体" panose="02010600030101010101" pitchFamily="2" charset="-122"/>
-                <a:ea typeface="宋体" panose="02010600030101010101" pitchFamily="2" charset="-122"/>
-              </a:rPr>
-              <a:t>对于每次分割得到的训练集，生成</a:t>
-            </a:r>
-            <a:r>
-              <a:rPr lang="en-US" altLang="zh-CN" sz="1800" i="1" dirty="0">
-                <a:solidFill>
-                  <a:srgbClr val="8C8C8C"/>
+              <a:t>, </a:t>
+            </a:r>
+            <a:r>
+              <a:rPr lang="en-US" altLang="zh-CN" sz="1800" dirty="0">
+                <a:solidFill>
+                  <a:srgbClr val="1750EB"/>
                 </a:solidFill>
                 <a:effectLst/>
                 <a:latin typeface="JetBrains Mono"/>
               </a:rPr>
-              <a:t>m</a:t>
-            </a:r>
-            <a:r>
-              <a:rPr lang="zh-CN" altLang="en-US" sz="1800" i="1" dirty="0">
-                <a:solidFill>
-                  <a:srgbClr val="8C8C8C"/>
-                </a:solidFill>
-                <a:effectLst/>
-                <a:latin typeface="宋体" panose="02010600030101010101" pitchFamily="2" charset="-122"/>
-                <a:ea typeface="宋体" panose="02010600030101010101" pitchFamily="2" charset="-122"/>
-              </a:rPr>
-              <a:t>次噪声</a:t>
-            </a:r>
-            <a:br>
-              <a:rPr lang="zh-CN" altLang="en-US" sz="1800" i="1" dirty="0">
-                <a:solidFill>
-                  <a:srgbClr val="8C8C8C"/>
-                </a:solidFill>
-                <a:effectLst/>
-                <a:latin typeface="宋体" panose="02010600030101010101" pitchFamily="2" charset="-122"/>
-                <a:ea typeface="宋体" panose="02010600030101010101" pitchFamily="2" charset="-122"/>
-              </a:rPr>
-            </a:br>
+              <a:t>0.04</a:t>
+            </a:r>
             <a:r>
               <a:rPr lang="en-US" altLang="zh-CN" sz="1800" dirty="0">
                 <a:solidFill>
@@ -7710,7 +7912,7 @@
                 <a:effectLst/>
                 <a:latin typeface="JetBrains Mono"/>
               </a:rPr>
-              <a:t>times=[</a:t>
+              <a:t>, </a:t>
             </a:r>
             <a:r>
               <a:rPr lang="en-US" altLang="zh-CN" sz="1800" dirty="0">
@@ -7720,7 +7922,7 @@
                 <a:effectLst/>
                 <a:latin typeface="JetBrains Mono"/>
               </a:rPr>
-              <a:t>0.96</a:t>
+              <a:t>0.03</a:t>
             </a:r>
             <a:r>
               <a:rPr lang="en-US" altLang="zh-CN" sz="1800" dirty="0">
@@ -7730,57 +7932,26 @@
                 <a:effectLst/>
                 <a:latin typeface="JetBrains Mono"/>
               </a:rPr>
-              <a:t>, </a:t>
-            </a:r>
-            <a:r>
-              <a:rPr lang="en-US" altLang="zh-CN" sz="1800" dirty="0">
-                <a:solidFill>
-                  <a:srgbClr val="1750EB"/>
-                </a:solidFill>
-                <a:effectLst/>
-                <a:latin typeface="JetBrains Mono"/>
-              </a:rPr>
-              <a:t>0.18</a:t>
-            </a:r>
-            <a:r>
-              <a:rPr lang="en-US" altLang="zh-CN" sz="1800" dirty="0">
-                <a:solidFill>
-                  <a:srgbClr val="080808"/>
-                </a:solidFill>
-                <a:effectLst/>
-                <a:latin typeface="JetBrains Mono"/>
-              </a:rPr>
-              <a:t>, </a:t>
-            </a:r>
-            <a:r>
-              <a:rPr lang="en-US" altLang="zh-CN" sz="1800" dirty="0">
-                <a:solidFill>
-                  <a:srgbClr val="1750EB"/>
-                </a:solidFill>
-                <a:effectLst/>
-                <a:latin typeface="JetBrains Mono"/>
-              </a:rPr>
-              <a:t>0.05</a:t>
-            </a:r>
-            <a:r>
-              <a:rPr lang="en-US" altLang="zh-CN" sz="1800" dirty="0">
-                <a:solidFill>
-                  <a:srgbClr val="080808"/>
-                </a:solidFill>
-                <a:effectLst/>
-                <a:latin typeface="JetBrains Mono"/>
-              </a:rPr>
               <a:t>]</a:t>
             </a:r>
+          </a:p>
+          <a:p>
+            <a:endParaRPr lang="en-US" altLang="zh-CN" sz="1800" dirty="0">
+              <a:solidFill>
+                <a:srgbClr val="080808"/>
+              </a:solidFill>
+              <a:effectLst/>
+              <a:latin typeface="JetBrains Mono"/>
+            </a:endParaRPr>
           </a:p>
         </p:txBody>
       </p:sp>
       <p:pic>
         <p:nvPicPr>
-          <p:cNvPr id="8" name="图片 7">
+          <p:cNvPr id="3" name="图片 2">
             <a:extLst>
               <a:ext uri="{FF2B5EF4-FFF2-40B4-BE49-F238E27FC236}">
-                <a16:creationId xmlns:a16="http://schemas.microsoft.com/office/drawing/2014/main" id="{002A09E6-3DCB-3343-B03E-BA7425FB3BBD}"/>
+                <a16:creationId xmlns:a16="http://schemas.microsoft.com/office/drawing/2014/main" id="{1909AB41-D3C0-ED47-029C-0053938D99AE}"/>
               </a:ext>
             </a:extLst>
           </p:cNvPr>
@@ -7803,44 +7974,8 @@
         </p:blipFill>
         <p:spPr>
           <a:xfrm>
-            <a:off x="6196804" y="1587220"/>
-            <a:ext cx="5459768" cy="3899834"/>
-          </a:xfrm>
-          <a:prstGeom prst="rect">
-            <a:avLst/>
-          </a:prstGeom>
-        </p:spPr>
-      </p:pic>
-      <p:pic>
-        <p:nvPicPr>
-          <p:cNvPr id="5" name="图片 4">
-            <a:extLst>
-              <a:ext uri="{FF2B5EF4-FFF2-40B4-BE49-F238E27FC236}">
-                <a16:creationId xmlns:a16="http://schemas.microsoft.com/office/drawing/2014/main" id="{B2F68E7F-75C4-4AA2-BBB8-B3F96F13E91B}"/>
-              </a:ext>
-            </a:extLst>
-          </p:cNvPr>
-          <p:cNvPicPr>
-            <a:picLocks noChangeAspect="1"/>
-          </p:cNvPicPr>
-          <p:nvPr/>
-        </p:nvPicPr>
-        <p:blipFill>
-          <a:blip r:embed="rId2">
-            <a:extLst>
-              <a:ext uri="{28A0092B-C50C-407E-A947-70E740481C1C}">
-                <a14:useLocalDpi xmlns:a14="http://schemas.microsoft.com/office/drawing/2010/main" val="0"/>
-              </a:ext>
-            </a:extLst>
-          </a:blip>
-          <a:stretch>
-            <a:fillRect/>
-          </a:stretch>
-        </p:blipFill>
-        <p:spPr>
-          <a:xfrm>
-            <a:off x="328394" y="1587220"/>
-            <a:ext cx="5451516" cy="3893939"/>
+            <a:off x="2752292" y="1340888"/>
+            <a:ext cx="7399142" cy="5285101"/>
           </a:xfrm>
           <a:prstGeom prst="rect">
             <a:avLst/>
@@ -7850,7 +7985,7 @@
     </p:spTree>
     <p:extLst>
       <p:ext uri="{BB962C8B-B14F-4D97-AF65-F5344CB8AC3E}">
-        <p14:creationId xmlns:p14="http://schemas.microsoft.com/office/powerpoint/2010/main" val="115426468"/>
+        <p14:creationId xmlns:p14="http://schemas.microsoft.com/office/powerpoint/2010/main" val="1852211053"/>
       </p:ext>
     </p:extLst>
   </p:cSld>
@@ -7879,10 +8014,10 @@
       </p:grpSpPr>
       <p:sp>
         <p:nvSpPr>
-          <p:cNvPr id="3" name="文本框 2">
+          <p:cNvPr id="4" name="文本框 3">
             <a:extLst>
               <a:ext uri="{FF2B5EF4-FFF2-40B4-BE49-F238E27FC236}">
-                <a16:creationId xmlns:a16="http://schemas.microsoft.com/office/drawing/2014/main" id="{7F80D763-21C5-EF1B-56EE-1DE2DDB4BC80}"/>
+                <a16:creationId xmlns:a16="http://schemas.microsoft.com/office/drawing/2014/main" id="{E78BBAAE-A5CB-A77A-77A5-769A1B7BDF33}"/>
               </a:ext>
             </a:extLst>
           </p:cNvPr>
@@ -7891,8 +8026,8 @@
         </p:nvSpPr>
         <p:spPr>
           <a:xfrm>
-            <a:off x="281796" y="138355"/>
-            <a:ext cx="6096000" cy="1754326"/>
+            <a:off x="132272" y="109600"/>
+            <a:ext cx="10633494" cy="1477328"/>
           </a:xfrm>
           <a:prstGeom prst="rect">
             <a:avLst/>
@@ -7905,24 +8040,6 @@
           </a:bodyPr>
           <a:lstStyle/>
           <a:p>
-            <a:r>
-              <a:rPr lang="zh-CN" altLang="en-US" dirty="0">
-                <a:solidFill>
-                  <a:srgbClr val="080808"/>
-                </a:solidFill>
-                <a:latin typeface="JetBrains Mono"/>
-              </a:rPr>
-              <a:t>噪声水平为 </a:t>
-            </a:r>
-            <a:r>
-              <a:rPr lang="en-US" altLang="zh-CN" dirty="0">
-                <a:solidFill>
-                  <a:srgbClr val="080808"/>
-                </a:solidFill>
-                <a:latin typeface="JetBrains Mono"/>
-              </a:rPr>
-              <a:t>0.95</a:t>
-            </a:r>
             <a:br>
               <a:rPr lang="en-US" altLang="zh-CN" sz="1800" i="1" dirty="0">
                 <a:solidFill>
@@ -7943,23 +8060,14 @@
               <a:t>s = </a:t>
             </a:r>
             <a:r>
-              <a:rPr lang="en-US" altLang="zh-CN" dirty="0">
+              <a:rPr lang="en-US" altLang="zh-CN" sz="1800" dirty="0">
                 <a:solidFill>
                   <a:srgbClr val="1750EB"/>
                 </a:solidFill>
+                <a:effectLst/>
                 <a:latin typeface="JetBrains Mono"/>
               </a:rPr>
-              <a:t>5</a:t>
-            </a:r>
-            <a:r>
-              <a:rPr lang="en-US" altLang="zh-CN" sz="1800" dirty="0">
-                <a:solidFill>
-                  <a:srgbClr val="1750EB"/>
-                </a:solidFill>
-                <a:effectLst/>
-                <a:latin typeface="JetBrains Mono"/>
-              </a:rPr>
-              <a:t>0   </a:t>
+              <a:t>50   </a:t>
             </a:r>
             <a:r>
               <a:rPr lang="en-US" altLang="zh-CN" sz="1800" i="1" dirty="0">
@@ -8054,101 +8162,114 @@
               </a:rPr>
               <a:t>次噪声</a:t>
             </a:r>
-            <a:endParaRPr lang="en-US" altLang="zh-CN" sz="1800" i="1" dirty="0">
+            <a:br>
+              <a:rPr lang="zh-CN" altLang="en-US" sz="1800" i="1" dirty="0">
+                <a:solidFill>
+                  <a:srgbClr val="8C8C8C"/>
+                </a:solidFill>
+                <a:effectLst/>
+                <a:latin typeface="宋体" panose="02010600030101010101" pitchFamily="2" charset="-122"/>
+                <a:ea typeface="宋体" panose="02010600030101010101" pitchFamily="2" charset="-122"/>
+              </a:rPr>
+            </a:br>
+            <a:r>
+              <a:rPr lang="en-US" altLang="zh-CN" dirty="0">
+                <a:solidFill>
+                  <a:srgbClr val="080808"/>
+                </a:solidFill>
+                <a:latin typeface="JetBrains Mono"/>
+                <a:ea typeface="宋体" panose="02010600030101010101" pitchFamily="2" charset="-122"/>
+              </a:rPr>
+              <a:t>pattern</a:t>
+            </a:r>
+            <a:r>
+              <a:rPr lang="en-US" altLang="zh-CN" sz="1800" dirty="0">
+                <a:solidFill>
+                  <a:srgbClr val="080808"/>
+                </a:solidFill>
+                <a:effectLst/>
+                <a:latin typeface="JetBrains Mono"/>
+              </a:rPr>
+              <a:t>= [</a:t>
+            </a:r>
+            <a:r>
+              <a:rPr lang="en-US" altLang="zh-CN" sz="1800" dirty="0">
+                <a:solidFill>
+                  <a:srgbClr val="1750EB"/>
+                </a:solidFill>
+                <a:effectLst/>
+                <a:latin typeface="JetBrains Mono"/>
+              </a:rPr>
+              <a:t>1</a:t>
+            </a:r>
+            <a:r>
+              <a:rPr lang="en-US" altLang="zh-CN" sz="1800" dirty="0">
+                <a:solidFill>
+                  <a:srgbClr val="080808"/>
+                </a:solidFill>
+                <a:effectLst/>
+                <a:latin typeface="JetBrains Mono"/>
+              </a:rPr>
+              <a:t>,</a:t>
+            </a:r>
+            <a:r>
+              <a:rPr lang="en-US" altLang="zh-CN" sz="1800" dirty="0">
+                <a:solidFill>
+                  <a:srgbClr val="1750EB"/>
+                </a:solidFill>
+                <a:effectLst/>
+                <a:latin typeface="JetBrains Mono"/>
+              </a:rPr>
+              <a:t>0.06</a:t>
+            </a:r>
+            <a:r>
+              <a:rPr lang="en-US" altLang="zh-CN" sz="1800" dirty="0">
+                <a:solidFill>
+                  <a:srgbClr val="080808"/>
+                </a:solidFill>
+                <a:effectLst/>
+                <a:latin typeface="JetBrains Mono"/>
+              </a:rPr>
+              <a:t>,</a:t>
+            </a:r>
+            <a:r>
+              <a:rPr lang="en-US" altLang="zh-CN" sz="1800" dirty="0">
+                <a:solidFill>
+                  <a:srgbClr val="1750EB"/>
+                </a:solidFill>
+                <a:effectLst/>
+                <a:latin typeface="JetBrains Mono"/>
+              </a:rPr>
+              <a:t>0.08</a:t>
+            </a:r>
+            <a:r>
+              <a:rPr lang="en-US" altLang="zh-CN" sz="1800" dirty="0">
+                <a:solidFill>
+                  <a:srgbClr val="080808"/>
+                </a:solidFill>
+                <a:effectLst/>
+                <a:latin typeface="JetBrains Mono"/>
+              </a:rPr>
+              <a:t>]</a:t>
+            </a:r>
+          </a:p>
+          <a:p>
+            <a:endParaRPr lang="en-US" altLang="zh-CN" sz="1800" dirty="0">
               <a:solidFill>
-                <a:srgbClr val="8C8C8C"/>
+                <a:srgbClr val="080808"/>
               </a:solidFill>
               <a:effectLst/>
-              <a:latin typeface="宋体" panose="02010600030101010101" pitchFamily="2" charset="-122"/>
-              <a:ea typeface="宋体" panose="02010600030101010101" pitchFamily="2" charset="-122"/>
-            </a:endParaRPr>
-          </a:p>
-          <a:p>
-            <a:r>
-              <a:rPr lang="en-US" altLang="zh-CN" dirty="0">
-                <a:solidFill>
-                  <a:srgbClr val="080808"/>
-                </a:solidFill>
-                <a:latin typeface="JetBrains Mono"/>
-              </a:rPr>
-              <a:t>step=</a:t>
-            </a:r>
-            <a:r>
-              <a:rPr lang="en-US" altLang="zh-CN" dirty="0">
-                <a:solidFill>
-                  <a:schemeClr val="accent1">
-                    <a:lumMod val="75000"/>
-                  </a:schemeClr>
-                </a:solidFill>
-                <a:latin typeface="JetBrains Mono"/>
-              </a:rPr>
-              <a:t>0.1</a:t>
-            </a:r>
-          </a:p>
-          <a:p>
-            <a:r>
-              <a:rPr lang="zh-CN" altLang="en-US" dirty="0">
-                <a:solidFill>
-                  <a:schemeClr val="accent1">
-                    <a:lumMod val="75000"/>
-                  </a:schemeClr>
-                </a:solidFill>
-                <a:latin typeface="JetBrains Mono"/>
-              </a:rPr>
-              <a:t>敏感变量：噪声比例</a:t>
-            </a:r>
-            <a:r>
-              <a:rPr lang="en-US" altLang="zh-CN" dirty="0">
-                <a:solidFill>
-                  <a:schemeClr val="accent1">
-                    <a:lumMod val="75000"/>
-                  </a:schemeClr>
-                </a:solidFill>
-                <a:latin typeface="JetBrains Mono"/>
-              </a:rPr>
-              <a:t>&gt;</a:t>
-            </a:r>
-            <a:r>
-              <a:rPr lang="zh-CN" altLang="en-US" dirty="0">
-                <a:solidFill>
-                  <a:schemeClr val="accent1">
-                    <a:lumMod val="75000"/>
-                  </a:schemeClr>
-                </a:solidFill>
-                <a:latin typeface="JetBrains Mono"/>
-              </a:rPr>
-              <a:t>噪声水平</a:t>
-            </a:r>
-            <a:endParaRPr lang="en-US" altLang="zh-CN" dirty="0">
-              <a:solidFill>
-                <a:schemeClr val="accent1">
-                  <a:lumMod val="75000"/>
-                </a:schemeClr>
-              </a:solidFill>
               <a:latin typeface="JetBrains Mono"/>
             </a:endParaRPr>
-          </a:p>
-          <a:p>
-            <a:r>
-              <a:rPr lang="en-US" altLang="zh-CN" dirty="0">
-                <a:solidFill>
-                  <a:schemeClr val="accent1">
-                    <a:lumMod val="75000"/>
-                  </a:schemeClr>
-                </a:solidFill>
-                <a:latin typeface="JetBrains Mono"/>
-              </a:rPr>
-              <a:t>1,0.9,0.02</a:t>
-            </a:r>
           </a:p>
         </p:txBody>
       </p:sp>
       <p:pic>
         <p:nvPicPr>
-          <p:cNvPr id="8" name="图片 7">
+          <p:cNvPr id="3" name="图片 2">
             <a:extLst>
               <a:ext uri="{FF2B5EF4-FFF2-40B4-BE49-F238E27FC236}">
-                <a16:creationId xmlns:a16="http://schemas.microsoft.com/office/drawing/2014/main" id="{D8BDE9B7-CC0A-818C-7B86-CDC36EA7FAD2}"/>
+                <a16:creationId xmlns:a16="http://schemas.microsoft.com/office/drawing/2014/main" id="{389B7AEB-D7AC-6B8D-0357-0CE0A72D27AF}"/>
               </a:ext>
             </a:extLst>
           </p:cNvPr>
@@ -8171,44 +8292,8 @@
         </p:blipFill>
         <p:spPr>
           <a:xfrm>
-            <a:off x="6133968" y="1892679"/>
-            <a:ext cx="5852172" cy="4389129"/>
-          </a:xfrm>
-          <a:prstGeom prst="rect">
-            <a:avLst/>
-          </a:prstGeom>
-        </p:spPr>
-      </p:pic>
-      <p:pic>
-        <p:nvPicPr>
-          <p:cNvPr id="12" name="图片 11">
-            <a:extLst>
-              <a:ext uri="{FF2B5EF4-FFF2-40B4-BE49-F238E27FC236}">
-                <a16:creationId xmlns:a16="http://schemas.microsoft.com/office/drawing/2014/main" id="{CBC0F344-34F8-6D72-1BCB-6FA8652C197E}"/>
-              </a:ext>
-            </a:extLst>
-          </p:cNvPr>
-          <p:cNvPicPr>
-            <a:picLocks noChangeAspect="1"/>
-          </p:cNvPicPr>
-          <p:nvPr/>
-        </p:nvPicPr>
-        <p:blipFill>
-          <a:blip r:embed="rId3">
-            <a:extLst>
-              <a:ext uri="{28A0092B-C50C-407E-A947-70E740481C1C}">
-                <a14:useLocalDpi xmlns:a14="http://schemas.microsoft.com/office/drawing/2010/main" val="0"/>
-              </a:ext>
-            </a:extLst>
-          </a:blip>
-          <a:stretch>
-            <a:fillRect/>
-          </a:stretch>
-        </p:blipFill>
-        <p:spPr>
-          <a:xfrm>
-            <a:off x="472722" y="1892679"/>
-            <a:ext cx="5852172" cy="4389129"/>
+            <a:off x="2548716" y="1450069"/>
+            <a:ext cx="7094568" cy="5067548"/>
           </a:xfrm>
           <a:prstGeom prst="rect">
             <a:avLst/>
@@ -8218,7 +8303,7 @@
     </p:spTree>
     <p:extLst>
       <p:ext uri="{BB962C8B-B14F-4D97-AF65-F5344CB8AC3E}">
-        <p14:creationId xmlns:p14="http://schemas.microsoft.com/office/powerpoint/2010/main" val="2469082131"/>
+        <p14:creationId xmlns:p14="http://schemas.microsoft.com/office/powerpoint/2010/main" val="3507831821"/>
       </p:ext>
     </p:extLst>
   </p:cSld>
